--- a/LOOM.pptx
+++ b/LOOM.pptx
@@ -208,7 +208,7 @@
           <a:p>
             <a:fld id="{34E29B8E-01FD-F149-8E4C-AD7340EC814F}" type="datetimeFigureOut">
               <a:rPr lang="en-US" smtClean="0"/>
-              <a:t>4/13/18</a:t>
+              <a:t>4/15/18</a:t>
             </a:fld>
             <a:endParaRPr lang="en-US"/>
           </a:p>
@@ -743,7 +743,7 @@
           <a:p>
             <a:fld id="{953DC447-F7D8-8648-AD82-BF48896FC0EA}" type="datetimeFigureOut">
               <a:rPr lang="en-US" smtClean="0"/>
-              <a:t>4/13/18</a:t>
+              <a:t>4/15/18</a:t>
             </a:fld>
             <a:endParaRPr lang="en-US"/>
           </a:p>
@@ -911,7 +911,7 @@
           <a:p>
             <a:fld id="{953DC447-F7D8-8648-AD82-BF48896FC0EA}" type="datetimeFigureOut">
               <a:rPr lang="en-US" smtClean="0"/>
-              <a:t>4/13/18</a:t>
+              <a:t>4/15/18</a:t>
             </a:fld>
             <a:endParaRPr lang="en-US"/>
           </a:p>
@@ -1089,7 +1089,7 @@
           <a:p>
             <a:fld id="{953DC447-F7D8-8648-AD82-BF48896FC0EA}" type="datetimeFigureOut">
               <a:rPr lang="en-US" smtClean="0"/>
-              <a:t>4/13/18</a:t>
+              <a:t>4/15/18</a:t>
             </a:fld>
             <a:endParaRPr lang="en-US"/>
           </a:p>
@@ -1257,7 +1257,7 @@
           <a:p>
             <a:fld id="{953DC447-F7D8-8648-AD82-BF48896FC0EA}" type="datetimeFigureOut">
               <a:rPr lang="en-US" smtClean="0"/>
-              <a:t>4/13/18</a:t>
+              <a:t>4/15/18</a:t>
             </a:fld>
             <a:endParaRPr lang="en-US"/>
           </a:p>
@@ -1502,7 +1502,7 @@
           <a:p>
             <a:fld id="{953DC447-F7D8-8648-AD82-BF48896FC0EA}" type="datetimeFigureOut">
               <a:rPr lang="en-US" smtClean="0"/>
-              <a:t>4/13/18</a:t>
+              <a:t>4/15/18</a:t>
             </a:fld>
             <a:endParaRPr lang="en-US"/>
           </a:p>
@@ -1787,7 +1787,7 @@
           <a:p>
             <a:fld id="{953DC447-F7D8-8648-AD82-BF48896FC0EA}" type="datetimeFigureOut">
               <a:rPr lang="en-US" smtClean="0"/>
-              <a:t>4/13/18</a:t>
+              <a:t>4/15/18</a:t>
             </a:fld>
             <a:endParaRPr lang="en-US"/>
           </a:p>
@@ -2211,7 +2211,7 @@
           <a:p>
             <a:fld id="{953DC447-F7D8-8648-AD82-BF48896FC0EA}" type="datetimeFigureOut">
               <a:rPr lang="en-US" smtClean="0"/>
-              <a:t>4/13/18</a:t>
+              <a:t>4/15/18</a:t>
             </a:fld>
             <a:endParaRPr lang="en-US"/>
           </a:p>
@@ -2328,7 +2328,7 @@
           <a:p>
             <a:fld id="{953DC447-F7D8-8648-AD82-BF48896FC0EA}" type="datetimeFigureOut">
               <a:rPr lang="en-US" smtClean="0"/>
-              <a:t>4/13/18</a:t>
+              <a:t>4/15/18</a:t>
             </a:fld>
             <a:endParaRPr lang="en-US"/>
           </a:p>
@@ -2423,7 +2423,7 @@
           <a:p>
             <a:fld id="{953DC447-F7D8-8648-AD82-BF48896FC0EA}" type="datetimeFigureOut">
               <a:rPr lang="en-US" smtClean="0"/>
-              <a:t>4/13/18</a:t>
+              <a:t>4/15/18</a:t>
             </a:fld>
             <a:endParaRPr lang="en-US"/>
           </a:p>
@@ -2698,7 +2698,7 @@
           <a:p>
             <a:fld id="{953DC447-F7D8-8648-AD82-BF48896FC0EA}" type="datetimeFigureOut">
               <a:rPr lang="en-US" smtClean="0"/>
-              <a:t>4/13/18</a:t>
+              <a:t>4/15/18</a:t>
             </a:fld>
             <a:endParaRPr lang="en-US"/>
           </a:p>
@@ -2950,7 +2950,7 @@
           <a:p>
             <a:fld id="{953DC447-F7D8-8648-AD82-BF48896FC0EA}" type="datetimeFigureOut">
               <a:rPr lang="en-US" smtClean="0"/>
-              <a:t>4/13/18</a:t>
+              <a:t>4/15/18</a:t>
             </a:fld>
             <a:endParaRPr lang="en-US"/>
           </a:p>
@@ -3161,7 +3161,7 @@
           <a:p>
             <a:fld id="{953DC447-F7D8-8648-AD82-BF48896FC0EA}" type="datetimeFigureOut">
               <a:rPr lang="en-US" smtClean="0"/>
-              <a:t>4/13/18</a:t>
+              <a:t>4/15/18</a:t>
             </a:fld>
             <a:endParaRPr lang="en-US"/>
           </a:p>
@@ -3545,12 +3545,14 @@
         <p:spPr>
           <a:xfrm>
             <a:off x="1208550" y="420502"/>
-            <a:ext cx="41793701" cy="7806176"/>
+            <a:ext cx="41793701" cy="3557897"/>
           </a:xfrm>
           <a:prstGeom prst="rect">
             <a:avLst/>
           </a:prstGeom>
-          <a:noFill/>
+          <a:solidFill>
+            <a:srgbClr val="BB0000"/>
+          </a:solidFill>
         </p:spPr>
         <p:txBody>
           <a:bodyPr wrap="square" rtlCol="0">
@@ -3558,21 +3560,24 @@
           </a:bodyPr>
           <a:lstStyle/>
           <a:p>
-            <a:pPr>
+            <a:pPr indent="460375">
               <a:lnSpc>
                 <a:spcPct val="130000"/>
               </a:lnSpc>
             </a:pPr>
             <a:r>
               <a:rPr lang="en-US" sz="8000" b="1" dirty="0">
+                <a:solidFill>
+                  <a:schemeClr val="bg1"/>
+                </a:solidFill>
                 <a:latin typeface="Helvetica Neue"/>
                 <a:cs typeface="Helvetica Neue"/>
               </a:rPr>
-              <a:t>LOOM</a:t>
-            </a:r>
-          </a:p>
-          <a:p>
-            <a:pPr>
+              <a:t>Project L.O.O.M</a:t>
+            </a:r>
+          </a:p>
+          <a:p>
+            <a:pPr indent="460375">
               <a:lnSpc>
                 <a:spcPct val="130000"/>
               </a:lnSpc>
@@ -3580,37 +3585,17 @@
             <a:r>
               <a:rPr lang="en-US" sz="4800" dirty="0">
                 <a:solidFill>
-                  <a:srgbClr val="7F7F7F"/>
+                  <a:schemeClr val="bg1"/>
                 </a:solidFill>
                 <a:latin typeface="Helvetica Neue"/>
                 <a:cs typeface="Helvetica Neue"/>
               </a:rPr>
-              <a:t>Michael Bayless, Wes </a:t>
+              <a:t>Michael Bayless, Wesley Darvin, Mohit Deshpande, Isaac Goldthwaite, Brad </a:t>
             </a:r>
             <a:r>
               <a:rPr lang="en-US" sz="4800" dirty="0" err="1">
                 <a:solidFill>
-                  <a:srgbClr val="7F7F7F"/>
-                </a:solidFill>
-                <a:latin typeface="Helvetica Neue"/>
-                <a:cs typeface="Helvetica Neue"/>
-              </a:rPr>
-              <a:t>Darvin</a:t>
-            </a:r>
-            <a:r>
-              <a:rPr lang="en-US" sz="4800" dirty="0">
-                <a:solidFill>
-                  <a:srgbClr val="7F7F7F"/>
-                </a:solidFill>
-                <a:latin typeface="Helvetica Neue"/>
-                <a:cs typeface="Helvetica Neue"/>
-              </a:rPr>
-              <a:t>, Mohit Deshpande, Isaac Goldthwaite, Brad </a:t>
-            </a:r>
-            <a:r>
-              <a:rPr lang="en-US" sz="4800" dirty="0" err="1">
-                <a:solidFill>
-                  <a:srgbClr val="7F7F7F"/>
+                  <a:schemeClr val="bg1"/>
                 </a:solidFill>
                 <a:latin typeface="Helvetica Neue"/>
                 <a:cs typeface="Helvetica Neue"/>
@@ -3620,69 +3605,54 @@
             <a:r>
               <a:rPr lang="en-US" sz="4800" dirty="0">
                 <a:solidFill>
-                  <a:srgbClr val="7F7F7F"/>
+                  <a:schemeClr val="bg1"/>
                 </a:solidFill>
                 <a:latin typeface="Helvetica Neue"/>
                 <a:cs typeface="Helvetica Neue"/>
               </a:rPr>
               <a:t> </a:t>
             </a:r>
-            <a:br>
-              <a:rPr lang="en-US" sz="4800" dirty="0">
-                <a:solidFill>
-                  <a:srgbClr val="7F7F7F"/>
-                </a:solidFill>
-                <a:latin typeface="Wingdings"/>
-                <a:cs typeface="Helvetica Neue"/>
-                <a:sym typeface="Wingdings"/>
-              </a:rPr>
-            </a:br>
-            <a:r>
-              <a:rPr lang="en-US" sz="4800" dirty="0">
-                <a:solidFill>
-                  <a:srgbClr val="7F7F7F"/>
-                </a:solidFill>
-                <a:latin typeface="Helvetica Neue"/>
-                <a:cs typeface="Helvetica Neue"/>
-              </a:rPr>
-              <a:t>{bayless.1, darvin.2, deshpande.75, goldthwaite.10, pershon.1} @ </a:t>
-            </a:r>
-            <a:r>
-              <a:rPr lang="en-US" sz="4800" dirty="0" err="1">
-                <a:solidFill>
-                  <a:srgbClr val="7F7F7F"/>
-                </a:solidFill>
-                <a:latin typeface="Helvetica Neue"/>
-                <a:cs typeface="Helvetica Neue"/>
-              </a:rPr>
-              <a:t>osu.edu</a:t>
-            </a:r>
             <a:endParaRPr lang="en-US" sz="4800" dirty="0">
               <a:solidFill>
-                <a:srgbClr val="7F7F7F"/>
+                <a:schemeClr val="bg1"/>
               </a:solidFill>
+              <a:latin typeface="Wingdings"/>
+              <a:cs typeface="Helvetica Neue"/>
+              <a:sym typeface="Wingdings"/>
             </a:endParaRPr>
           </a:p>
           <a:p>
-            <a:pPr>
+            <a:pPr indent="460375">
               <a:lnSpc>
                 <a:spcPct val="130000"/>
               </a:lnSpc>
             </a:pPr>
-            <a:endParaRPr lang="en-US" sz="11021" dirty="0">
-              <a:latin typeface="Helvetica Neue"/>
-              <a:cs typeface="Helvetica Neue"/>
-            </a:endParaRPr>
-          </a:p>
-          <a:p>
-            <a:pPr>
-              <a:lnSpc>
-                <a:spcPct val="130000"/>
-              </a:lnSpc>
-            </a:pPr>
-            <a:endParaRPr lang="en-US" sz="11166" b="1" dirty="0">
-              <a:latin typeface="Helvetica Neue"/>
-              <a:cs typeface="Helvetica Neue"/>
+            <a:r>
+              <a:rPr lang="en-US" sz="4800" dirty="0">
+                <a:solidFill>
+                  <a:schemeClr val="bg1"/>
+                </a:solidFill>
+                <a:latin typeface="Courier New" panose="02070309020205020404" pitchFamily="49" charset="0"/>
+                <a:cs typeface="Courier New" panose="02070309020205020404" pitchFamily="49" charset="0"/>
+              </a:rPr>
+              <a:t>{bayless.1, darvin.2, deshpande.75, goldthwaite.10, pershon.1} @ </a:t>
+            </a:r>
+            <a:r>
+              <a:rPr lang="en-US" sz="4800" dirty="0" err="1">
+                <a:solidFill>
+                  <a:schemeClr val="bg1"/>
+                </a:solidFill>
+                <a:latin typeface="Courier New" panose="02070309020205020404" pitchFamily="49" charset="0"/>
+                <a:cs typeface="Courier New" panose="02070309020205020404" pitchFamily="49" charset="0"/>
+              </a:rPr>
+              <a:t>osu.edu</a:t>
+            </a:r>
+            <a:endParaRPr lang="en-US" sz="4800" dirty="0">
+              <a:solidFill>
+                <a:schemeClr val="bg1"/>
+              </a:solidFill>
+              <a:latin typeface="Courier New" panose="02070309020205020404" pitchFamily="49" charset="0"/>
+              <a:cs typeface="Courier New" panose="02070309020205020404" pitchFamily="49" charset="0"/>
             </a:endParaRPr>
           </a:p>
         </p:txBody>
@@ -3690,13 +3660,15 @@
       <p:cxnSp>
         <p:nvCxnSpPr>
           <p:cNvPr id="10" name="Straight Connector 9"/>
-          <p:cNvCxnSpPr/>
+          <p:cNvCxnSpPr>
+            <a:cxnSpLocks/>
+          </p:cNvCxnSpPr>
           <p:nvPr/>
         </p:nvCxnSpPr>
         <p:spPr>
           <a:xfrm>
-            <a:off x="1314171" y="4010942"/>
-            <a:ext cx="41319128" cy="0"/>
+            <a:off x="1314171" y="4130213"/>
+            <a:ext cx="41688080" cy="0"/>
           </a:xfrm>
           <a:prstGeom prst="line">
             <a:avLst/>
@@ -3868,58 +3840,6 @@
           </a:fontRef>
         </p:style>
       </p:cxnSp>
-      <p:sp>
-        <p:nvSpPr>
-          <p:cNvPr id="44" name="Oval 43"/>
-          <p:cNvSpPr/>
-          <p:nvPr/>
-        </p:nvSpPr>
-        <p:spPr>
-          <a:xfrm>
-            <a:off x="42672337" y="3852262"/>
-            <a:ext cx="299431" cy="317359"/>
-          </a:xfrm>
-          <a:prstGeom prst="ellipse">
-            <a:avLst/>
-          </a:prstGeom>
-          <a:solidFill>
-            <a:schemeClr val="accent2">
-              <a:lumMod val="75000"/>
-            </a:schemeClr>
-          </a:solidFill>
-          <a:ln w="28575" cmpd="sng">
-            <a:solidFill>
-              <a:schemeClr val="tx1">
-                <a:lumMod val="65000"/>
-                <a:lumOff val="35000"/>
-              </a:schemeClr>
-            </a:solidFill>
-          </a:ln>
-          <a:effectLst/>
-        </p:spPr>
-        <p:style>
-          <a:lnRef idx="1">
-            <a:schemeClr val="accent1"/>
-          </a:lnRef>
-          <a:fillRef idx="3">
-            <a:schemeClr val="accent1"/>
-          </a:fillRef>
-          <a:effectRef idx="2">
-            <a:schemeClr val="accent1"/>
-          </a:effectRef>
-          <a:fontRef idx="minor">
-            <a:schemeClr val="lt1"/>
-          </a:fontRef>
-        </p:style>
-        <p:txBody>
-          <a:bodyPr rtlCol="0" anchor="ctr"/>
-          <a:lstStyle/>
-          <a:p>
-            <a:pPr algn="ctr"/>
-            <a:endParaRPr lang="en-US" sz="12201"/>
-          </a:p>
-        </p:txBody>
-      </p:sp>
       <p:sp>
         <p:nvSpPr>
           <p:cNvPr id="47" name="Oval 46"/>
@@ -4084,10 +4004,10 @@
         </p:nvGrpSpPr>
         <p:grpSpPr>
           <a:xfrm>
-            <a:off x="1208550" y="13039889"/>
-            <a:ext cx="12110742" cy="17192381"/>
-            <a:chOff x="1208550" y="9388793"/>
-            <a:chExt cx="12110742" cy="20843478"/>
+            <a:off x="1208550" y="13039892"/>
+            <a:ext cx="12110742" cy="17192378"/>
+            <a:chOff x="1208550" y="9388796"/>
+            <a:chExt cx="12110742" cy="20843475"/>
           </a:xfrm>
         </p:grpSpPr>
         <p:grpSp>
@@ -4098,10 +4018,10 @@
           </p:nvGrpSpPr>
           <p:grpSpPr>
             <a:xfrm>
-              <a:off x="1215092" y="9388793"/>
-              <a:ext cx="12104200" cy="1913426"/>
+              <a:off x="1215092" y="9388796"/>
+              <a:ext cx="12104200" cy="7769018"/>
               <a:chOff x="953556" y="7184343"/>
-              <a:chExt cx="10133496" cy="1009053"/>
+              <a:chExt cx="10133496" cy="4097022"/>
             </a:xfrm>
           </p:grpSpPr>
           <p:sp>
@@ -4148,7 +4068,7 @@
             <p:spPr>
               <a:xfrm>
                 <a:off x="953556" y="7885013"/>
-                <a:ext cx="10133496" cy="308383"/>
+                <a:ext cx="10133496" cy="3396352"/>
               </a:xfrm>
               <a:prstGeom prst="rect">
                 <a:avLst/>
@@ -4161,10 +4081,12 @@
               </a:bodyPr>
               <a:lstStyle/>
               <a:p>
-                <a:pPr algn="just">
+                <a:pPr marL="457200" indent="-457200" algn="just">
                   <a:spcBef>
                     <a:spcPct val="20000"/>
                   </a:spcBef>
+                  <a:buFont typeface="Arial" panose="020B0604020202020204" pitchFamily="34" charset="0"/>
+                  <a:buChar char="•"/>
                 </a:pPr>
                 <a:r>
                   <a:rPr lang="en-US" sz="3200" dirty="0">
@@ -4172,7 +4094,148 @@
                     <a:ea typeface="Helvetica Neue" charset="0"/>
                     <a:cs typeface="Helvetica Neue" charset="0"/>
                   </a:rPr>
-                  <a:t>A summary</a:t>
+                  <a:t>VS Code</a:t>
+                </a:r>
+              </a:p>
+              <a:p>
+                <a:pPr marL="457200" indent="-457200" algn="just">
+                  <a:spcBef>
+                    <a:spcPct val="20000"/>
+                  </a:spcBef>
+                  <a:buFont typeface="Arial" panose="020B0604020202020204" pitchFamily="34" charset="0"/>
+                  <a:buChar char="•"/>
+                </a:pPr>
+                <a:r>
+                  <a:rPr lang="en-US" sz="3200" dirty="0">
+                    <a:latin typeface="Helvetica Neue" charset="0"/>
+                    <a:ea typeface="Helvetica Neue" charset="0"/>
+                    <a:cs typeface="Helvetica Neue" charset="0"/>
+                  </a:rPr>
+                  <a:t>Python support</a:t>
+                </a:r>
+              </a:p>
+              <a:p>
+                <a:pPr marL="457200" indent="-457200" algn="just">
+                  <a:spcBef>
+                    <a:spcPct val="20000"/>
+                  </a:spcBef>
+                  <a:buFont typeface="Arial" panose="020B0604020202020204" pitchFamily="34" charset="0"/>
+                  <a:buChar char="•"/>
+                </a:pPr>
+                <a:r>
+                  <a:rPr lang="en-US" sz="3200" dirty="0">
+                    <a:latin typeface="Helvetica Neue" charset="0"/>
+                    <a:ea typeface="Helvetica Neue" charset="0"/>
+                    <a:cs typeface="Helvetica Neue" charset="0"/>
+                  </a:rPr>
+                  <a:t>Algorithm and python doc data</a:t>
+                </a:r>
+              </a:p>
+              <a:p>
+                <a:pPr marL="457200" indent="-457200" algn="just">
+                  <a:spcBef>
+                    <a:spcPct val="20000"/>
+                  </a:spcBef>
+                  <a:buFont typeface="Arial" panose="020B0604020202020204" pitchFamily="34" charset="0"/>
+                  <a:buChar char="•"/>
+                </a:pPr>
+                <a:r>
+                  <a:rPr lang="en-US" sz="3200" dirty="0">
+                    <a:latin typeface="Helvetica Neue" charset="0"/>
+                    <a:ea typeface="Helvetica Neue" charset="0"/>
+                    <a:cs typeface="Helvetica Neue" charset="0"/>
+                  </a:rPr>
+                  <a:t>Discovery and NLC data paths</a:t>
+                </a:r>
+              </a:p>
+              <a:p>
+                <a:pPr marL="457200" indent="-457200" algn="just">
+                  <a:spcBef>
+                    <a:spcPct val="20000"/>
+                  </a:spcBef>
+                  <a:buFont typeface="Arial" panose="020B0604020202020204" pitchFamily="34" charset="0"/>
+                  <a:buChar char="•"/>
+                </a:pPr>
+                <a:r>
+                  <a:rPr lang="en-US" sz="3200" dirty="0">
+                    <a:latin typeface="Helvetica Neue" charset="0"/>
+                    <a:ea typeface="Helvetica Neue" charset="0"/>
+                    <a:cs typeface="Helvetica Neue" charset="0"/>
+                  </a:rPr>
+                  <a:t>Results</a:t>
+                </a:r>
+              </a:p>
+              <a:p>
+                <a:pPr marL="2598385" lvl="1" indent="-457200" algn="just">
+                  <a:spcBef>
+                    <a:spcPct val="20000"/>
+                  </a:spcBef>
+                  <a:buFont typeface="Arial" panose="020B0604020202020204" pitchFamily="34" charset="0"/>
+                  <a:buChar char="•"/>
+                </a:pPr>
+                <a:r>
+                  <a:rPr lang="en-US" sz="3200" dirty="0">
+                    <a:latin typeface="Helvetica Neue" charset="0"/>
+                    <a:ea typeface="Helvetica Neue" charset="0"/>
+                    <a:cs typeface="Helvetica Neue" charset="0"/>
+                  </a:rPr>
+                  <a:t>Description</a:t>
+                </a:r>
+              </a:p>
+              <a:p>
+                <a:pPr marL="2598385" lvl="1" indent="-457200" algn="just">
+                  <a:spcBef>
+                    <a:spcPct val="20000"/>
+                  </a:spcBef>
+                  <a:buFont typeface="Arial" panose="020B0604020202020204" pitchFamily="34" charset="0"/>
+                  <a:buChar char="•"/>
+                </a:pPr>
+                <a:r>
+                  <a:rPr lang="en-US" sz="3200" dirty="0">
+                    <a:latin typeface="Helvetica Neue" charset="0"/>
+                    <a:ea typeface="Helvetica Neue" charset="0"/>
+                    <a:cs typeface="Helvetica Neue" charset="0"/>
+                  </a:rPr>
+                  <a:t>Pseudocode</a:t>
+                </a:r>
+              </a:p>
+              <a:p>
+                <a:pPr marL="2598385" lvl="1" indent="-457200" algn="just">
+                  <a:spcBef>
+                    <a:spcPct val="20000"/>
+                  </a:spcBef>
+                  <a:buFont typeface="Arial" panose="020B0604020202020204" pitchFamily="34" charset="0"/>
+                  <a:buChar char="•"/>
+                </a:pPr>
+                <a:r>
+                  <a:rPr lang="en-US" sz="3200" dirty="0" err="1">
+                    <a:latin typeface="Helvetica Neue" charset="0"/>
+                    <a:ea typeface="Helvetica Neue" charset="0"/>
+                    <a:cs typeface="Helvetica Neue" charset="0"/>
+                  </a:rPr>
+                  <a:t>Samplecode</a:t>
+                </a:r>
+                <a:endParaRPr lang="en-US" sz="3200" dirty="0">
+                  <a:latin typeface="Helvetica Neue" charset="0"/>
+                  <a:ea typeface="Helvetica Neue" charset="0"/>
+                  <a:cs typeface="Helvetica Neue" charset="0"/>
+                </a:endParaRPr>
+              </a:p>
+              <a:p>
+                <a:pPr marL="457200" indent="-457200" algn="just">
+                  <a:spcBef>
+                    <a:spcPct val="20000"/>
+                  </a:spcBef>
+                  <a:buFont typeface="Arial" panose="020B0604020202020204" pitchFamily="34" charset="0"/>
+                  <a:buChar char="•"/>
+                </a:pPr>
+                <a:r>
+                  <a:rPr lang="en-US" sz="3200" dirty="0">
+                    <a:latin typeface="Helvetica Neue" charset="0"/>
+                    <a:ea typeface="Helvetica Neue" charset="0"/>
+                    <a:cs typeface="Helvetica Neue" charset="0"/>
+                  </a:rPr>
+                  <a:t>Anything else you want to include</a:t>
                 </a:r>
               </a:p>
             </p:txBody>
@@ -4241,7 +4304,7 @@
         </p:nvGrpSpPr>
         <p:grpSpPr>
           <a:xfrm>
-            <a:off x="13629011" y="5246385"/>
+            <a:off x="13904924" y="4490144"/>
             <a:ext cx="14458893" cy="25011314"/>
             <a:chOff x="13629011" y="5246385"/>
             <a:chExt cx="14458893" cy="25011314"/>
@@ -4704,14 +4767,212 @@
         </p:blipFill>
         <p:spPr>
           <a:xfrm>
-            <a:off x="39379696" y="235122"/>
-            <a:ext cx="3292641" cy="3619606"/>
+            <a:off x="39976037" y="214258"/>
+            <a:ext cx="3239293" cy="3560960"/>
           </a:xfrm>
           <a:prstGeom prst="rect">
             <a:avLst/>
           </a:prstGeom>
         </p:spPr>
       </p:pic>
+      <p:sp>
+        <p:nvSpPr>
+          <p:cNvPr id="19" name="TextBox 18">
+            <a:extLst>
+              <a:ext uri="{FF2B5EF4-FFF2-40B4-BE49-F238E27FC236}">
+                <a16:creationId xmlns:a16="http://schemas.microsoft.com/office/drawing/2014/main" id="{9EA50CB9-7A63-4B49-BFA4-DBE38E805BB1}"/>
+              </a:ext>
+            </a:extLst>
+          </p:cNvPr>
+          <p:cNvSpPr txBox="1"/>
+          <p:nvPr/>
+        </p:nvSpPr>
+        <p:spPr>
+          <a:xfrm>
+            <a:off x="15425530" y="17890435"/>
+            <a:ext cx="184731" cy="1387175"/>
+          </a:xfrm>
+          <a:prstGeom prst="rect">
+            <a:avLst/>
+          </a:prstGeom>
+          <a:noFill/>
+        </p:spPr>
+        <p:txBody>
+          <a:bodyPr wrap="none" rtlCol="0">
+            <a:spAutoFit/>
+          </a:bodyPr>
+          <a:lstStyle/>
+          <a:p>
+            <a:endParaRPr lang="en-US" dirty="0"/>
+          </a:p>
+        </p:txBody>
+      </p:sp>
+      <p:sp>
+        <p:nvSpPr>
+          <p:cNvPr id="46" name="TextBox 45">
+            <a:extLst>
+              <a:ext uri="{FF2B5EF4-FFF2-40B4-BE49-F238E27FC236}">
+                <a16:creationId xmlns:a16="http://schemas.microsoft.com/office/drawing/2014/main" id="{B152D510-FF06-CF45-BC2C-8DAB75E95631}"/>
+              </a:ext>
+            </a:extLst>
+          </p:cNvPr>
+          <p:cNvSpPr txBox="1"/>
+          <p:nvPr/>
+        </p:nvSpPr>
+        <p:spPr>
+          <a:xfrm>
+            <a:off x="13904924" y="15291510"/>
+            <a:ext cx="8489504" cy="1231106"/>
+          </a:xfrm>
+          <a:prstGeom prst="rect">
+            <a:avLst/>
+          </a:prstGeom>
+          <a:noFill/>
+        </p:spPr>
+        <p:txBody>
+          <a:bodyPr wrap="none" lIns="0" tIns="0" rIns="0" bIns="0" rtlCol="0">
+            <a:spAutoFit/>
+          </a:bodyPr>
+          <a:lstStyle/>
+          <a:p>
+            <a:r>
+              <a:rPr lang="en-US" sz="8000" b="1" dirty="0">
+                <a:solidFill>
+                  <a:srgbClr val="7F7F7F"/>
+                </a:solidFill>
+                <a:latin typeface="Helvetica Neue"/>
+                <a:cs typeface="Helvetica Neue"/>
+              </a:rPr>
+              <a:t>Design Decisions</a:t>
+            </a:r>
+          </a:p>
+        </p:txBody>
+      </p:sp>
+      <p:sp>
+        <p:nvSpPr>
+          <p:cNvPr id="26" name="TextBox 25">
+            <a:extLst>
+              <a:ext uri="{FF2B5EF4-FFF2-40B4-BE49-F238E27FC236}">
+                <a16:creationId xmlns:a16="http://schemas.microsoft.com/office/drawing/2014/main" id="{16CA717B-07C5-C446-81B0-4E92E5CFC4C6}"/>
+              </a:ext>
+            </a:extLst>
+          </p:cNvPr>
+          <p:cNvSpPr txBox="1"/>
+          <p:nvPr/>
+        </p:nvSpPr>
+        <p:spPr>
+          <a:xfrm>
+            <a:off x="13916838" y="16522616"/>
+            <a:ext cx="13515162" cy="6986528"/>
+          </a:xfrm>
+          <a:prstGeom prst="rect">
+            <a:avLst/>
+          </a:prstGeom>
+          <a:noFill/>
+        </p:spPr>
+        <p:txBody>
+          <a:bodyPr wrap="square" rtlCol="0">
+            <a:spAutoFit/>
+          </a:bodyPr>
+          <a:lstStyle/>
+          <a:p>
+            <a:pPr marL="457200" indent="-457200">
+              <a:buFont typeface="Arial" panose="020B0604020202020204" pitchFamily="34" charset="0"/>
+              <a:buChar char="•"/>
+            </a:pPr>
+            <a:r>
+              <a:rPr lang="en-US" sz="3200" b="1" dirty="0">
+                <a:latin typeface="Helvetica Neue" panose="02000503000000020004" pitchFamily="2" charset="0"/>
+                <a:ea typeface="Helvetica Neue" panose="02000503000000020004" pitchFamily="2" charset="0"/>
+                <a:cs typeface="Helvetica Neue" panose="02000503000000020004" pitchFamily="2" charset="0"/>
+              </a:rPr>
+              <a:t>Visual Studio Code extension:</a:t>
+            </a:r>
+            <a:r>
+              <a:rPr lang="en-US" sz="3200" dirty="0">
+                <a:latin typeface="Helvetica Neue" panose="02000503000000020004" pitchFamily="2" charset="0"/>
+                <a:ea typeface="Helvetica Neue" panose="02000503000000020004" pitchFamily="2" charset="0"/>
+                <a:cs typeface="Helvetica Neue" panose="02000503000000020004" pitchFamily="2" charset="0"/>
+              </a:rPr>
+              <a:t> Early in the design process the LOOM team had to consider for what platform we would develop this tool.  Early options considered included: Eclipse IDE, VS Code, and a custom text editor we would build.  Ultimately, VS Code was selected for its apparent ease of development and flexibility.</a:t>
+            </a:r>
+          </a:p>
+          <a:p>
+            <a:pPr marL="457200" indent="-457200">
+              <a:buFont typeface="Arial" panose="020B0604020202020204" pitchFamily="34" charset="0"/>
+              <a:buChar char="•"/>
+            </a:pPr>
+            <a:r>
+              <a:rPr lang="en-US" sz="3200" b="1" dirty="0">
+                <a:latin typeface="Helvetica Neue" panose="02000503000000020004" pitchFamily="2" charset="0"/>
+                <a:ea typeface="Helvetica Neue" panose="02000503000000020004" pitchFamily="2" charset="0"/>
+                <a:cs typeface="Helvetica Neue" panose="02000503000000020004" pitchFamily="2" charset="0"/>
+              </a:rPr>
+              <a:t>Python language support: </a:t>
+            </a:r>
+            <a:r>
+              <a:rPr lang="en-US" sz="3200" dirty="0">
+                <a:latin typeface="Helvetica Neue" panose="02000503000000020004" pitchFamily="2" charset="0"/>
+                <a:ea typeface="Helvetica Neue" panose="02000503000000020004" pitchFamily="2" charset="0"/>
+                <a:cs typeface="Helvetica Neue" panose="02000503000000020004" pitchFamily="2" charset="0"/>
+              </a:rPr>
+              <a:t>Another early design choice was selecting a language to support.  While the collection of results would need to be curated/created regardless of language, there were concerns about integration with IBM Watson tools and language parsing.  In the end Python was chosen over languages like C, C++, and Java for its syntactic simplicity and minimal boilerplate code.</a:t>
+            </a:r>
+          </a:p>
+          <a:p>
+            <a:pPr marL="457200" indent="-457200">
+              <a:buFont typeface="Arial" panose="020B0604020202020204" pitchFamily="34" charset="0"/>
+              <a:buChar char="•"/>
+            </a:pPr>
+            <a:r>
+              <a:rPr lang="en-US" sz="3200" b="1" dirty="0">
+                <a:latin typeface="Helvetica Neue" panose="02000503000000020004" pitchFamily="2" charset="0"/>
+                <a:ea typeface="Helvetica Neue" panose="02000503000000020004" pitchFamily="2" charset="0"/>
+                <a:cs typeface="Helvetica Neue" panose="02000503000000020004" pitchFamily="2" charset="0"/>
+              </a:rPr>
+              <a:t>NLC: </a:t>
+            </a:r>
+            <a:r>
+              <a:rPr lang="en-US" sz="3200" dirty="0">
+                <a:highlight>
+                  <a:srgbClr val="FFFF00"/>
+                </a:highlight>
+                <a:latin typeface="Helvetica Neue" panose="02000503000000020004" pitchFamily="2" charset="0"/>
+                <a:ea typeface="Helvetica Neue" panose="02000503000000020004" pitchFamily="2" charset="0"/>
+                <a:cs typeface="Helvetica Neue" panose="02000503000000020004" pitchFamily="2" charset="0"/>
+              </a:rPr>
+              <a:t>TODO: Write why we chose NLC</a:t>
+            </a:r>
+          </a:p>
+          <a:p>
+            <a:pPr marL="457200" indent="-457200">
+              <a:buFont typeface="Arial" panose="020B0604020202020204" pitchFamily="34" charset="0"/>
+              <a:buChar char="•"/>
+            </a:pPr>
+            <a:r>
+              <a:rPr lang="en-US" sz="3200" b="1" dirty="0">
+                <a:latin typeface="Helvetica Neue" panose="02000503000000020004" pitchFamily="2" charset="0"/>
+                <a:ea typeface="Helvetica Neue" panose="02000503000000020004" pitchFamily="2" charset="0"/>
+                <a:cs typeface="Helvetica Neue" panose="02000503000000020004" pitchFamily="2" charset="0"/>
+              </a:rPr>
+              <a:t>Algorithm Support: </a:t>
+            </a:r>
+            <a:r>
+              <a:rPr lang="en-US" sz="3200" dirty="0">
+                <a:latin typeface="Helvetica Neue" panose="02000503000000020004" pitchFamily="2" charset="0"/>
+                <a:ea typeface="Helvetica Neue" panose="02000503000000020004" pitchFamily="2" charset="0"/>
+                <a:cs typeface="Helvetica Neue" panose="02000503000000020004" pitchFamily="2" charset="0"/>
+              </a:rPr>
+              <a:t>TODO: Why we chose the algorithms we did (important basics, ease of development, etc.)</a:t>
+            </a:r>
+            <a:endParaRPr lang="en-US" sz="3200" b="1" dirty="0">
+              <a:latin typeface="Helvetica Neue" panose="02000503000000020004" pitchFamily="2" charset="0"/>
+              <a:ea typeface="Helvetica Neue" panose="02000503000000020004" pitchFamily="2" charset="0"/>
+              <a:cs typeface="Helvetica Neue" panose="02000503000000020004" pitchFamily="2" charset="0"/>
+            </a:endParaRPr>
+          </a:p>
+        </p:txBody>
+      </p:sp>
     </p:spTree>
     <p:extLst>
       <p:ext uri="{BB962C8B-B14F-4D97-AF65-F5344CB8AC3E}">

--- a/LOOM.pptx
+++ b/LOOM.pptx
@@ -208,7 +208,7 @@
           <a:p>
             <a:fld id="{34E29B8E-01FD-F149-8E4C-AD7340EC814F}" type="datetimeFigureOut">
               <a:rPr lang="en-US" smtClean="0"/>
-              <a:t>4/15/18</a:t>
+              <a:t>4/16/18</a:t>
             </a:fld>
             <a:endParaRPr lang="en-US"/>
           </a:p>
@@ -743,7 +743,7 @@
           <a:p>
             <a:fld id="{953DC447-F7D8-8648-AD82-BF48896FC0EA}" type="datetimeFigureOut">
               <a:rPr lang="en-US" smtClean="0"/>
-              <a:t>4/15/18</a:t>
+              <a:t>4/16/18</a:t>
             </a:fld>
             <a:endParaRPr lang="en-US"/>
           </a:p>
@@ -911,7 +911,7 @@
           <a:p>
             <a:fld id="{953DC447-F7D8-8648-AD82-BF48896FC0EA}" type="datetimeFigureOut">
               <a:rPr lang="en-US" smtClean="0"/>
-              <a:t>4/15/18</a:t>
+              <a:t>4/16/18</a:t>
             </a:fld>
             <a:endParaRPr lang="en-US"/>
           </a:p>
@@ -1089,7 +1089,7 @@
           <a:p>
             <a:fld id="{953DC447-F7D8-8648-AD82-BF48896FC0EA}" type="datetimeFigureOut">
               <a:rPr lang="en-US" smtClean="0"/>
-              <a:t>4/15/18</a:t>
+              <a:t>4/16/18</a:t>
             </a:fld>
             <a:endParaRPr lang="en-US"/>
           </a:p>
@@ -1257,7 +1257,7 @@
           <a:p>
             <a:fld id="{953DC447-F7D8-8648-AD82-BF48896FC0EA}" type="datetimeFigureOut">
               <a:rPr lang="en-US" smtClean="0"/>
-              <a:t>4/15/18</a:t>
+              <a:t>4/16/18</a:t>
             </a:fld>
             <a:endParaRPr lang="en-US"/>
           </a:p>
@@ -1502,7 +1502,7 @@
           <a:p>
             <a:fld id="{953DC447-F7D8-8648-AD82-BF48896FC0EA}" type="datetimeFigureOut">
               <a:rPr lang="en-US" smtClean="0"/>
-              <a:t>4/15/18</a:t>
+              <a:t>4/16/18</a:t>
             </a:fld>
             <a:endParaRPr lang="en-US"/>
           </a:p>
@@ -1787,7 +1787,7 @@
           <a:p>
             <a:fld id="{953DC447-F7D8-8648-AD82-BF48896FC0EA}" type="datetimeFigureOut">
               <a:rPr lang="en-US" smtClean="0"/>
-              <a:t>4/15/18</a:t>
+              <a:t>4/16/18</a:t>
             </a:fld>
             <a:endParaRPr lang="en-US"/>
           </a:p>
@@ -2211,7 +2211,7 @@
           <a:p>
             <a:fld id="{953DC447-F7D8-8648-AD82-BF48896FC0EA}" type="datetimeFigureOut">
               <a:rPr lang="en-US" smtClean="0"/>
-              <a:t>4/15/18</a:t>
+              <a:t>4/16/18</a:t>
             </a:fld>
             <a:endParaRPr lang="en-US"/>
           </a:p>
@@ -2328,7 +2328,7 @@
           <a:p>
             <a:fld id="{953DC447-F7D8-8648-AD82-BF48896FC0EA}" type="datetimeFigureOut">
               <a:rPr lang="en-US" smtClean="0"/>
-              <a:t>4/15/18</a:t>
+              <a:t>4/16/18</a:t>
             </a:fld>
             <a:endParaRPr lang="en-US"/>
           </a:p>
@@ -2423,7 +2423,7 @@
           <a:p>
             <a:fld id="{953DC447-F7D8-8648-AD82-BF48896FC0EA}" type="datetimeFigureOut">
               <a:rPr lang="en-US" smtClean="0"/>
-              <a:t>4/15/18</a:t>
+              <a:t>4/16/18</a:t>
             </a:fld>
             <a:endParaRPr lang="en-US"/>
           </a:p>
@@ -2698,7 +2698,7 @@
           <a:p>
             <a:fld id="{953DC447-F7D8-8648-AD82-BF48896FC0EA}" type="datetimeFigureOut">
               <a:rPr lang="en-US" smtClean="0"/>
-              <a:t>4/15/18</a:t>
+              <a:t>4/16/18</a:t>
             </a:fld>
             <a:endParaRPr lang="en-US"/>
           </a:p>
@@ -2950,7 +2950,7 @@
           <a:p>
             <a:fld id="{953DC447-F7D8-8648-AD82-BF48896FC0EA}" type="datetimeFigureOut">
               <a:rPr lang="en-US" smtClean="0"/>
-              <a:t>4/15/18</a:t>
+              <a:t>4/16/18</a:t>
             </a:fld>
             <a:endParaRPr lang="en-US"/>
           </a:p>
@@ -3161,7 +3161,7 @@
           <a:p>
             <a:fld id="{953DC447-F7D8-8648-AD82-BF48896FC0EA}" type="datetimeFigureOut">
               <a:rPr lang="en-US" smtClean="0"/>
-              <a:t>4/15/18</a:t>
+              <a:t>4/16/18</a:t>
             </a:fld>
             <a:endParaRPr lang="en-US"/>
           </a:p>
@@ -4305,9 +4305,9 @@
         <p:grpSpPr>
           <a:xfrm>
             <a:off x="13904924" y="4490144"/>
-            <a:ext cx="14458893" cy="25011314"/>
+            <a:ext cx="14458893" cy="10796795"/>
             <a:chOff x="13629011" y="5246385"/>
-            <a:chExt cx="14458893" cy="25011314"/>
+            <a:chExt cx="14458893" cy="10796795"/>
           </a:xfrm>
         </p:grpSpPr>
         <p:sp>
@@ -4318,7 +4318,7 @@
           </p:nvSpPr>
           <p:spPr>
             <a:xfrm>
-              <a:off x="13629011" y="13039889"/>
+              <a:off x="13629011" y="13192289"/>
               <a:ext cx="14458893" cy="523220"/>
             </a:xfrm>
             <a:prstGeom prst="rect">
@@ -4360,124 +4360,28 @@
         </p:sp>
         <p:grpSp>
           <p:nvGrpSpPr>
-            <p:cNvPr id="18" name="Group 17"/>
+            <p:cNvPr id="8" name="Group 7"/>
             <p:cNvGrpSpPr/>
             <p:nvPr/>
           </p:nvGrpSpPr>
           <p:grpSpPr>
             <a:xfrm>
               <a:off x="13629012" y="5246385"/>
-              <a:ext cx="14458892" cy="25011314"/>
-              <a:chOff x="13629012" y="5246385"/>
-              <a:chExt cx="14458892" cy="25011314"/>
+              <a:ext cx="14446978" cy="10796795"/>
+              <a:chOff x="951703" y="12784319"/>
+              <a:chExt cx="9962604" cy="7445444"/>
             </a:xfrm>
           </p:grpSpPr>
-          <p:grpSp>
-            <p:nvGrpSpPr>
-              <p:cNvPr id="8" name="Group 7"/>
-              <p:cNvGrpSpPr/>
-              <p:nvPr/>
-            </p:nvGrpSpPr>
-            <p:grpSpPr>
-              <a:xfrm>
-                <a:off x="13629012" y="5246385"/>
-                <a:ext cx="14446978" cy="10644398"/>
-                <a:chOff x="951703" y="12784319"/>
-                <a:chExt cx="9962604" cy="7340351"/>
-              </a:xfrm>
-            </p:grpSpPr>
-            <p:sp>
-              <p:nvSpPr>
-                <p:cNvPr id="615" name="TextBox 614"/>
-                <p:cNvSpPr txBox="1"/>
-                <p:nvPr/>
-              </p:nvSpPr>
-              <p:spPr>
-                <a:xfrm>
-                  <a:off x="953556" y="12784319"/>
-                  <a:ext cx="4717389" cy="848968"/>
-                </a:xfrm>
-                <a:prstGeom prst="rect">
-                  <a:avLst/>
-                </a:prstGeom>
-                <a:noFill/>
-              </p:spPr>
-              <p:txBody>
-                <a:bodyPr wrap="none" lIns="0" tIns="0" rIns="0" bIns="0" rtlCol="0">
-                  <a:spAutoFit/>
-                </a:bodyPr>
-                <a:lstStyle/>
-                <a:p>
-                  <a:r>
-                    <a:rPr lang="en-US" sz="8000" b="1" dirty="0">
-                      <a:solidFill>
-                        <a:srgbClr val="7F7F7F"/>
-                      </a:solidFill>
-                      <a:latin typeface="Helvetica Neue"/>
-                      <a:cs typeface="Helvetica Neue"/>
-                    </a:rPr>
-                    <a:t>Our Approach</a:t>
-                  </a:r>
-                </a:p>
-              </p:txBody>
-            </p:sp>
-            <p:sp>
-              <p:nvSpPr>
-                <p:cNvPr id="69" name="Rectangle 68"/>
-                <p:cNvSpPr/>
-                <p:nvPr/>
-              </p:nvSpPr>
-              <p:spPr>
-                <a:xfrm>
-                  <a:off x="951703" y="19445496"/>
-                  <a:ext cx="9962604" cy="679174"/>
-                </a:xfrm>
-                <a:prstGeom prst="rect">
-                  <a:avLst/>
-                </a:prstGeom>
-              </p:spPr>
-              <p:txBody>
-                <a:bodyPr wrap="square" lIns="0" tIns="0" rIns="0" bIns="0">
-                  <a:spAutoFit/>
-                </a:bodyPr>
-                <a:lstStyle/>
-                <a:p>
-                  <a:pPr algn="just"/>
-                  <a:r>
-                    <a:rPr lang="en-US" sz="3200" b="1" dirty="0">
-                      <a:latin typeface="Helvetica Neue"/>
-                      <a:ea typeface="Helvetica Neue" charset="0"/>
-                      <a:cs typeface="Helvetica Neue"/>
-                    </a:rPr>
-                    <a:t>IBM Watson Discovery.</a:t>
-                  </a:r>
-                  <a:r>
-                    <a:rPr lang="en-US" sz="3200" dirty="0">
-                      <a:latin typeface="Helvetica Neue"/>
-                      <a:ea typeface="Helvetica Neue" charset="0"/>
-                      <a:cs typeface="Helvetica Neue"/>
-                    </a:rPr>
-                    <a:t> For storing and analyzing document, we use IBM Watson Discovery.</a:t>
-                  </a:r>
-                  <a:endParaRPr lang="en-US" sz="3200" b="1" dirty="0">
-                    <a:latin typeface="Helvetica Neue" charset="0"/>
-                    <a:ea typeface="Helvetica Neue" charset="0"/>
-                    <a:cs typeface="Helvetica Neue" charset="0"/>
-                  </a:endParaRPr>
-                </a:p>
-              </p:txBody>
-            </p:sp>
-          </p:grpSp>
           <p:sp>
             <p:nvSpPr>
-              <p:cNvPr id="31" name="TextBox 30"/>
+              <p:cNvPr id="615" name="TextBox 614"/>
               <p:cNvSpPr txBox="1"/>
               <p:nvPr/>
             </p:nvSpPr>
             <p:spPr>
               <a:xfrm>
-                <a:off x="13640925" y="29303592"/>
-                <a:ext cx="14446979" cy="954107"/>
+                <a:off x="953556" y="12784319"/>
+                <a:ext cx="4717389" cy="848968"/>
               </a:xfrm>
               <a:prstGeom prst="rect">
                 <a:avLst/>
@@ -4485,27 +4389,67 @@
               <a:noFill/>
             </p:spPr>
             <p:txBody>
-              <a:bodyPr wrap="square" rtlCol="0">
+              <a:bodyPr wrap="none" lIns="0" tIns="0" rIns="0" bIns="0" rtlCol="0">
                 <a:spAutoFit/>
               </a:bodyPr>
               <a:lstStyle/>
               <a:p>
                 <a:r>
-                  <a:rPr lang="en-US" sz="2800" b="1" dirty="0">
-                    <a:latin typeface="Helvetica Neue" charset="0"/>
+                  <a:rPr lang="en-US" sz="8000" b="1" dirty="0">
+                    <a:solidFill>
+                      <a:srgbClr val="7F7F7F"/>
+                    </a:solidFill>
+                    <a:latin typeface="Helvetica Neue"/>
+                    <a:cs typeface="Helvetica Neue"/>
+                  </a:rPr>
+                  <a:t>Our Approach</a:t>
+                </a:r>
+              </a:p>
+            </p:txBody>
+          </p:sp>
+          <p:sp>
+            <p:nvSpPr>
+              <p:cNvPr id="69" name="Rectangle 68"/>
+              <p:cNvSpPr/>
+              <p:nvPr/>
+            </p:nvSpPr>
+            <p:spPr>
+              <a:xfrm>
+                <a:off x="951703" y="19550589"/>
+                <a:ext cx="9962604" cy="679174"/>
+              </a:xfrm>
+              <a:prstGeom prst="rect">
+                <a:avLst/>
+              </a:prstGeom>
+            </p:spPr>
+            <p:txBody>
+              <a:bodyPr wrap="square" lIns="0" tIns="0" rIns="0" bIns="0">
+                <a:spAutoFit/>
+              </a:bodyPr>
+              <a:lstStyle/>
+              <a:p>
+                <a:pPr algn="just"/>
+                <a:r>
+                  <a:rPr lang="en-US" sz="3200" b="1" dirty="0">
+                    <a:latin typeface="Helvetica Neue"/>
                     <a:ea typeface="Helvetica Neue" charset="0"/>
-                    <a:cs typeface="Helvetica Neue" charset="0"/>
+                    <a:cs typeface="Helvetica Neue"/>
                   </a:rPr>
-                  <a:t>Figure 3. </a:t>
+                  <a:t>IBM Watson Discovery.</a:t>
                 </a:r>
                 <a:r>
-                  <a:rPr lang="en-US" sz="2800" dirty="0">
-                    <a:latin typeface="Helvetica Neue" charset="0"/>
+                  <a:rPr lang="en-US" sz="3200" dirty="0">
+                    <a:latin typeface="Helvetica Neue"/>
                     <a:ea typeface="Helvetica Neue" charset="0"/>
-                    <a:cs typeface="Helvetica Neue" charset="0"/>
+                    <a:cs typeface="Helvetica Neue"/>
                   </a:rPr>
-                  <a:t>(A) is the clean image and (B) is the result of our segmentation algorithm. Its quality depends on the orientation (C) and the noise (D) of our input.</a:t>
+                  <a:t> For storing and analyzing document, we use IBM Watson Discovery.</a:t>
                 </a:r>
+                <a:endParaRPr lang="en-US" sz="3200" b="1" dirty="0">
+                  <a:latin typeface="Helvetica Neue" charset="0"/>
+                  <a:ea typeface="Helvetica Neue" charset="0"/>
+                  <a:cs typeface="Helvetica Neue" charset="0"/>
+                </a:endParaRPr>
               </a:p>
             </p:txBody>
           </p:sp>
@@ -4821,7 +4765,7 @@
         </p:nvSpPr>
         <p:spPr>
           <a:xfrm>
-            <a:off x="13904924" y="15291510"/>
+            <a:off x="13904924" y="15494710"/>
             <a:ext cx="8489504" cy="1231106"/>
           </a:xfrm>
           <a:prstGeom prst="rect">
@@ -4862,8 +4806,8 @@
         </p:nvSpPr>
         <p:spPr>
           <a:xfrm>
-            <a:off x="13916838" y="16522616"/>
-            <a:ext cx="13515162" cy="6986528"/>
+            <a:off x="13916838" y="16725816"/>
+            <a:ext cx="13515162" cy="12895838"/>
           </a:xfrm>
           <a:prstGeom prst="rect">
             <a:avLst/>
@@ -4898,6 +4842,13 @@
             </a:r>
           </a:p>
           <a:p>
+            <a:endParaRPr lang="en-US" sz="3200" dirty="0">
+              <a:latin typeface="Helvetica Neue" panose="02000503000000020004" pitchFamily="2" charset="0"/>
+              <a:ea typeface="Helvetica Neue" panose="02000503000000020004" pitchFamily="2" charset="0"/>
+              <a:cs typeface="Helvetica Neue" panose="02000503000000020004" pitchFamily="2" charset="0"/>
+            </a:endParaRPr>
+          </a:p>
+          <a:p>
             <a:pPr marL="457200" indent="-457200">
               <a:buFont typeface="Arial" panose="020B0604020202020204" pitchFamily="34" charset="0"/>
               <a:buChar char="•"/>
@@ -4920,6 +4871,13 @@
             </a:r>
           </a:p>
           <a:p>
+            <a:endParaRPr lang="en-US" sz="3200" dirty="0">
+              <a:latin typeface="Helvetica Neue" panose="02000503000000020004" pitchFamily="2" charset="0"/>
+              <a:ea typeface="Helvetica Neue" panose="02000503000000020004" pitchFamily="2" charset="0"/>
+              <a:cs typeface="Helvetica Neue" panose="02000503000000020004" pitchFamily="2" charset="0"/>
+            </a:endParaRPr>
+          </a:p>
+          <a:p>
             <a:pPr marL="457200" indent="-457200">
               <a:buFont typeface="Arial" panose="020B0604020202020204" pitchFamily="34" charset="0"/>
               <a:buChar char="•"/>
@@ -4934,15 +4892,22 @@
             </a:r>
             <a:r>
               <a:rPr lang="en-US" sz="3200" dirty="0">
-                <a:highlight>
-                  <a:srgbClr val="FFFF00"/>
-                </a:highlight>
                 <a:latin typeface="Helvetica Neue" panose="02000503000000020004" pitchFamily="2" charset="0"/>
                 <a:ea typeface="Helvetica Neue" panose="02000503000000020004" pitchFamily="2" charset="0"/>
                 <a:cs typeface="Helvetica Neue" panose="02000503000000020004" pitchFamily="2" charset="0"/>
               </a:rPr>
-              <a:t>TODO: Write why we chose NLC</a:t>
-            </a:r>
+              <a:t>Searching for information without knowing its name is hard with a search engine. Being able to just use your code as the search term makes LOOM even faster and easier. To process the code and understand what you are searching for we used IBM Watson NLC. It was more natural for our problem than their Conversation service. It could take code samples and naturally create a search term for our Discovery service. </a:t>
+            </a:r>
+          </a:p>
+          <a:p>
+            <a:endParaRPr lang="en-US" sz="3200" dirty="0">
+              <a:highlight>
+                <a:srgbClr val="FFFF00"/>
+              </a:highlight>
+              <a:latin typeface="Helvetica Neue" panose="02000503000000020004" pitchFamily="2" charset="0"/>
+              <a:ea typeface="Helvetica Neue" panose="02000503000000020004" pitchFamily="2" charset="0"/>
+              <a:cs typeface="Helvetica Neue" panose="02000503000000020004" pitchFamily="2" charset="0"/>
+            </a:endParaRPr>
           </a:p>
           <a:p>
             <a:pPr marL="457200" indent="-457200">
@@ -4963,7 +4928,7 @@
                 <a:ea typeface="Helvetica Neue" panose="02000503000000020004" pitchFamily="2" charset="0"/>
                 <a:cs typeface="Helvetica Neue" panose="02000503000000020004" pitchFamily="2" charset="0"/>
               </a:rPr>
-              <a:t>TODO: Why we chose the algorithms we did (important basics, ease of development, etc.)</a:t>
+              <a:t>We currently support a number of basic algorithms, as well as some of the basic python documentation. These were chosen because they are simple but easily forgotten or confused things that will effectively demonstrate how LOOM can help your workflow.</a:t>
             </a:r>
             <a:endParaRPr lang="en-US" sz="3200" b="1" dirty="0">
               <a:latin typeface="Helvetica Neue" panose="02000503000000020004" pitchFamily="2" charset="0"/>

--- a/LOOM.pptx
+++ b/LOOM.pptx
@@ -208,7 +208,7 @@
           <a:p>
             <a:fld id="{34E29B8E-01FD-F149-8E4C-AD7340EC814F}" type="datetimeFigureOut">
               <a:rPr lang="en-US" smtClean="0"/>
-              <a:t>4/16/18</a:t>
+              <a:t>4/17/18</a:t>
             </a:fld>
             <a:endParaRPr lang="en-US"/>
           </a:p>
@@ -743,7 +743,7 @@
           <a:p>
             <a:fld id="{953DC447-F7D8-8648-AD82-BF48896FC0EA}" type="datetimeFigureOut">
               <a:rPr lang="en-US" smtClean="0"/>
-              <a:t>4/16/18</a:t>
+              <a:t>4/17/18</a:t>
             </a:fld>
             <a:endParaRPr lang="en-US"/>
           </a:p>
@@ -911,7 +911,7 @@
           <a:p>
             <a:fld id="{953DC447-F7D8-8648-AD82-BF48896FC0EA}" type="datetimeFigureOut">
               <a:rPr lang="en-US" smtClean="0"/>
-              <a:t>4/16/18</a:t>
+              <a:t>4/17/18</a:t>
             </a:fld>
             <a:endParaRPr lang="en-US"/>
           </a:p>
@@ -1089,7 +1089,7 @@
           <a:p>
             <a:fld id="{953DC447-F7D8-8648-AD82-BF48896FC0EA}" type="datetimeFigureOut">
               <a:rPr lang="en-US" smtClean="0"/>
-              <a:t>4/16/18</a:t>
+              <a:t>4/17/18</a:t>
             </a:fld>
             <a:endParaRPr lang="en-US"/>
           </a:p>
@@ -1257,7 +1257,7 @@
           <a:p>
             <a:fld id="{953DC447-F7D8-8648-AD82-BF48896FC0EA}" type="datetimeFigureOut">
               <a:rPr lang="en-US" smtClean="0"/>
-              <a:t>4/16/18</a:t>
+              <a:t>4/17/18</a:t>
             </a:fld>
             <a:endParaRPr lang="en-US"/>
           </a:p>
@@ -1502,7 +1502,7 @@
           <a:p>
             <a:fld id="{953DC447-F7D8-8648-AD82-BF48896FC0EA}" type="datetimeFigureOut">
               <a:rPr lang="en-US" smtClean="0"/>
-              <a:t>4/16/18</a:t>
+              <a:t>4/17/18</a:t>
             </a:fld>
             <a:endParaRPr lang="en-US"/>
           </a:p>
@@ -1787,7 +1787,7 @@
           <a:p>
             <a:fld id="{953DC447-F7D8-8648-AD82-BF48896FC0EA}" type="datetimeFigureOut">
               <a:rPr lang="en-US" smtClean="0"/>
-              <a:t>4/16/18</a:t>
+              <a:t>4/17/18</a:t>
             </a:fld>
             <a:endParaRPr lang="en-US"/>
           </a:p>
@@ -2211,7 +2211,7 @@
           <a:p>
             <a:fld id="{953DC447-F7D8-8648-AD82-BF48896FC0EA}" type="datetimeFigureOut">
               <a:rPr lang="en-US" smtClean="0"/>
-              <a:t>4/16/18</a:t>
+              <a:t>4/17/18</a:t>
             </a:fld>
             <a:endParaRPr lang="en-US"/>
           </a:p>
@@ -2328,7 +2328,7 @@
           <a:p>
             <a:fld id="{953DC447-F7D8-8648-AD82-BF48896FC0EA}" type="datetimeFigureOut">
               <a:rPr lang="en-US" smtClean="0"/>
-              <a:t>4/16/18</a:t>
+              <a:t>4/17/18</a:t>
             </a:fld>
             <a:endParaRPr lang="en-US"/>
           </a:p>
@@ -2423,7 +2423,7 @@
           <a:p>
             <a:fld id="{953DC447-F7D8-8648-AD82-BF48896FC0EA}" type="datetimeFigureOut">
               <a:rPr lang="en-US" smtClean="0"/>
-              <a:t>4/16/18</a:t>
+              <a:t>4/17/18</a:t>
             </a:fld>
             <a:endParaRPr lang="en-US"/>
           </a:p>
@@ -2698,7 +2698,7 @@
           <a:p>
             <a:fld id="{953DC447-F7D8-8648-AD82-BF48896FC0EA}" type="datetimeFigureOut">
               <a:rPr lang="en-US" smtClean="0"/>
-              <a:t>4/16/18</a:t>
+              <a:t>4/17/18</a:t>
             </a:fld>
             <a:endParaRPr lang="en-US"/>
           </a:p>
@@ -2950,7 +2950,7 @@
           <a:p>
             <a:fld id="{953DC447-F7D8-8648-AD82-BF48896FC0EA}" type="datetimeFigureOut">
               <a:rPr lang="en-US" smtClean="0"/>
-              <a:t>4/16/18</a:t>
+              <a:t>4/17/18</a:t>
             </a:fld>
             <a:endParaRPr lang="en-US"/>
           </a:p>
@@ -3161,7 +3161,7 @@
           <a:p>
             <a:fld id="{953DC447-F7D8-8648-AD82-BF48896FC0EA}" type="datetimeFigureOut">
               <a:rPr lang="en-US" smtClean="0"/>
-              <a:t>4/16/18</a:t>
+              <a:t>4/17/18</a:t>
             </a:fld>
             <a:endParaRPr lang="en-US"/>
           </a:p>
@@ -4455,270 +4455,41 @@
           </p:sp>
         </p:grpSp>
       </p:grpSp>
-      <p:grpSp>
-        <p:nvGrpSpPr>
-          <p:cNvPr id="20" name="Group 19"/>
-          <p:cNvGrpSpPr/>
+      <p:sp>
+        <p:nvSpPr>
+          <p:cNvPr id="57" name="TextBox 56"/>
+          <p:cNvSpPr txBox="1"/>
           <p:nvPr/>
-        </p:nvGrpSpPr>
-        <p:grpSpPr>
-          <a:xfrm>
-            <a:off x="28363817" y="5248298"/>
-            <a:ext cx="14590807" cy="21050452"/>
-            <a:chOff x="28363817" y="5248298"/>
-            <a:chExt cx="14590807" cy="21050452"/>
-          </a:xfrm>
-        </p:grpSpPr>
-        <p:sp>
-          <p:nvSpPr>
-            <p:cNvPr id="57" name="TextBox 56"/>
-            <p:cNvSpPr txBox="1"/>
-            <p:nvPr/>
-          </p:nvSpPr>
-          <p:spPr>
-            <a:xfrm>
-              <a:off x="28397626" y="5248298"/>
-              <a:ext cx="3666067" cy="1231107"/>
-            </a:xfrm>
-            <a:prstGeom prst="rect">
-              <a:avLst/>
-            </a:prstGeom>
-            <a:noFill/>
-          </p:spPr>
-          <p:txBody>
-            <a:bodyPr wrap="none" lIns="0" tIns="0" rIns="0" bIns="0" rtlCol="0">
-              <a:spAutoFit/>
-            </a:bodyPr>
-            <a:lstStyle/>
-            <a:p>
-              <a:r>
-                <a:rPr lang="en-US" sz="8000" b="1" dirty="0">
-                  <a:solidFill>
-                    <a:srgbClr val="7F7F7F"/>
-                  </a:solidFill>
-                  <a:latin typeface="Helvetica Neue"/>
-                  <a:cs typeface="Helvetica Neue"/>
-                </a:rPr>
-                <a:t>Results</a:t>
-              </a:r>
-            </a:p>
-          </p:txBody>
-        </p:sp>
-        <p:sp>
-          <p:nvSpPr>
-            <p:cNvPr id="13" name="TextBox 12"/>
-            <p:cNvSpPr txBox="1"/>
-            <p:nvPr/>
-          </p:nvSpPr>
-          <p:spPr>
-            <a:xfrm>
-              <a:off x="28363817" y="10901013"/>
-              <a:ext cx="14269482" cy="1815882"/>
-            </a:xfrm>
-            <a:prstGeom prst="rect">
-              <a:avLst/>
-            </a:prstGeom>
-            <a:noFill/>
-          </p:spPr>
-          <p:txBody>
-            <a:bodyPr wrap="square" rtlCol="0">
-              <a:spAutoFit/>
-            </a:bodyPr>
-            <a:lstStyle/>
-            <a:p>
-              <a:r>
-                <a:rPr lang="en-US" sz="2800" b="1" dirty="0">
-                  <a:latin typeface="Helvetica Neue" charset="0"/>
-                  <a:ea typeface="Helvetica Neue" charset="0"/>
-                  <a:cs typeface="Helvetica Neue" charset="0"/>
-                </a:rPr>
-                <a:t>Figure 4. </a:t>
-              </a:r>
-              <a:r>
-                <a:rPr lang="en-US" sz="2800" dirty="0">
-                  <a:latin typeface="Helvetica Neue" charset="0"/>
-                  <a:ea typeface="Helvetica Neue" charset="0"/>
-                  <a:cs typeface="Helvetica Neue" charset="0"/>
-                </a:rPr>
-                <a:t>Quality is measured in precision and recall. Precision is the correct retrievals over all retrievals, and recall is the number of correct retrievals over the number of human-annotated ground-truth retrievals. We achieve an overall precision and recall of 96% and 74% respectively.</a:t>
-              </a:r>
-            </a:p>
-          </p:txBody>
-        </p:sp>
-        <p:sp>
-          <p:nvSpPr>
-            <p:cNvPr id="32" name="TextBox 31"/>
-            <p:cNvSpPr txBox="1"/>
-            <p:nvPr/>
-          </p:nvSpPr>
-          <p:spPr>
-            <a:xfrm>
-              <a:off x="28397626" y="18743624"/>
-              <a:ext cx="14556998" cy="1384995"/>
-            </a:xfrm>
-            <a:prstGeom prst="rect">
-              <a:avLst/>
-            </a:prstGeom>
-            <a:noFill/>
-          </p:spPr>
-          <p:txBody>
-            <a:bodyPr wrap="square" rtlCol="0">
-              <a:spAutoFit/>
-            </a:bodyPr>
-            <a:lstStyle/>
-            <a:p>
-              <a:r>
-                <a:rPr lang="en-US" sz="2800" b="1" dirty="0">
-                  <a:latin typeface="Helvetica Neue" charset="0"/>
-                  <a:ea typeface="Helvetica Neue" charset="0"/>
-                  <a:cs typeface="Helvetica Neue" charset="0"/>
-                </a:rPr>
-                <a:t>Figure 5. </a:t>
-              </a:r>
-              <a:r>
-                <a:rPr lang="en-US" sz="2800" dirty="0">
-                  <a:latin typeface="Helvetica Neue" charset="0"/>
-                  <a:ea typeface="Helvetica Neue" charset="0"/>
-                  <a:cs typeface="Helvetica Neue" charset="0"/>
-                </a:rPr>
-                <a:t>Performance of our most time-consuming components were average across all images in our dataset. OCR, the commodity, takes longer than the other components of </a:t>
-              </a:r>
-              <a:r>
-                <a:rPr lang="en-US" sz="2800" i="1" dirty="0">
-                  <a:latin typeface="Helvetica Neue" charset="0"/>
-                  <a:ea typeface="Helvetica Neue" charset="0"/>
-                  <a:cs typeface="Helvetica Neue" charset="0"/>
-                </a:rPr>
-                <a:t>IFR</a:t>
-              </a:r>
-              <a:r>
-                <a:rPr lang="en-US" sz="2800" dirty="0">
-                  <a:latin typeface="Helvetica Neue" charset="0"/>
-                  <a:ea typeface="Helvetica Neue" charset="0"/>
-                  <a:cs typeface="Helvetica Neue" charset="0"/>
-                </a:rPr>
-                <a:t>. To process a single image, </a:t>
-              </a:r>
-              <a:r>
-                <a:rPr lang="en-US" sz="2800" i="1" dirty="0">
-                  <a:latin typeface="Helvetica Neue" charset="0"/>
-                  <a:ea typeface="Helvetica Neue" charset="0"/>
-                  <a:cs typeface="Helvetica Neue" charset="0"/>
-                </a:rPr>
-                <a:t>IFR</a:t>
-              </a:r>
-              <a:r>
-                <a:rPr lang="en-US" sz="2800" dirty="0">
-                  <a:latin typeface="Helvetica Neue" charset="0"/>
-                  <a:ea typeface="Helvetica Neue" charset="0"/>
-                  <a:cs typeface="Helvetica Neue" charset="0"/>
-                </a:rPr>
-                <a:t> takes about 2 seconds on average.</a:t>
-              </a:r>
-            </a:p>
-          </p:txBody>
-        </p:sp>
-        <p:sp>
-          <p:nvSpPr>
-            <p:cNvPr id="35" name="TextBox 34"/>
-            <p:cNvSpPr txBox="1"/>
-            <p:nvPr/>
-          </p:nvSpPr>
-          <p:spPr>
-            <a:xfrm>
-              <a:off x="28409542" y="24913755"/>
-              <a:ext cx="14397821" cy="1384995"/>
-            </a:xfrm>
-            <a:prstGeom prst="rect">
-              <a:avLst/>
-            </a:prstGeom>
-            <a:noFill/>
-          </p:spPr>
-          <p:txBody>
-            <a:bodyPr wrap="square" rtlCol="0">
-              <a:spAutoFit/>
-            </a:bodyPr>
-            <a:lstStyle/>
-            <a:p>
-              <a:pPr algn="just"/>
-              <a:r>
-                <a:rPr lang="en-US" sz="2800" b="1" dirty="0">
-                  <a:latin typeface="Helvetica Neue" charset="0"/>
-                  <a:ea typeface="Helvetica Neue" charset="0"/>
-                  <a:cs typeface="Helvetica Neue" charset="0"/>
-                </a:rPr>
-                <a:t>Figure 6. </a:t>
-              </a:r>
-              <a:r>
-                <a:rPr lang="en-US" sz="2800" dirty="0">
-                  <a:latin typeface="Helvetica Neue" charset="0"/>
-                  <a:ea typeface="Helvetica Neue" charset="0"/>
-                  <a:cs typeface="Helvetica Neue" charset="0"/>
-                </a:rPr>
-                <a:t>We varied tasks along two dimensions: complexity and size and observed that participants completed each task faster using tables from the output of </a:t>
-              </a:r>
-              <a:r>
-                <a:rPr lang="en-US" sz="2800" i="1" dirty="0">
-                  <a:latin typeface="Helvetica Neue" charset="0"/>
-                  <a:ea typeface="Helvetica Neue" charset="0"/>
-                  <a:cs typeface="Helvetica Neue" charset="0"/>
-                </a:rPr>
-                <a:t>IFR</a:t>
-              </a:r>
-              <a:r>
-                <a:rPr lang="en-US" sz="2800" dirty="0">
-                  <a:latin typeface="Helvetica Neue" charset="0"/>
-                  <a:ea typeface="Helvetica Neue" charset="0"/>
-                  <a:cs typeface="Helvetica Neue" charset="0"/>
-                </a:rPr>
-                <a:t> than the raw image inputs. </a:t>
-              </a:r>
-              <a:r>
-                <a:rPr lang="en-US" sz="2800" dirty="0">
-                  <a:latin typeface="Helvetica Neue"/>
-                  <a:cs typeface="Helvetica Neue"/>
-                </a:rPr>
-                <a:t>We support this claim with a one-sided paired t-test.</a:t>
-              </a:r>
-            </a:p>
-          </p:txBody>
-        </p:sp>
-      </p:grpSp>
-      <p:pic>
-        <p:nvPicPr>
-          <p:cNvPr id="4" name="Graphic 3">
-            <a:extLst>
-              <a:ext uri="{FF2B5EF4-FFF2-40B4-BE49-F238E27FC236}">
-                <a16:creationId xmlns:a16="http://schemas.microsoft.com/office/drawing/2014/main" id="{080DE015-36F1-6B4E-82BB-87313C02D414}"/>
-              </a:ext>
-            </a:extLst>
-          </p:cNvPr>
-          <p:cNvPicPr>
-            <a:picLocks noChangeAspect="1"/>
-          </p:cNvPicPr>
-          <p:nvPr/>
-        </p:nvPicPr>
-        <p:blipFill rotWithShape="1">
-          <a:blip r:embed="rId5">
-            <a:extLst>
-              <a:ext uri="{96DAC541-7B7A-43D3-8B79-37D633B846F1}">
-                <asvg:svgBlip xmlns:asvg="http://schemas.microsoft.com/office/drawing/2016/SVG/main" r:embed="rId6"/>
-              </a:ext>
-            </a:extLst>
-          </a:blip>
-          <a:srcRect l="11289" t="28772" r="19146" b="17144"/>
-          <a:stretch/>
-        </p:blipFill>
+        </p:nvSpPr>
         <p:spPr>
           <a:xfrm>
-            <a:off x="39976037" y="214258"/>
-            <a:ext cx="3239293" cy="3560960"/>
+            <a:off x="28397626" y="5248298"/>
+            <a:ext cx="3666067" cy="1231107"/>
           </a:xfrm>
           <a:prstGeom prst="rect">
             <a:avLst/>
           </a:prstGeom>
+          <a:noFill/>
         </p:spPr>
-      </p:pic>
+        <p:txBody>
+          <a:bodyPr wrap="none" lIns="0" tIns="0" rIns="0" bIns="0" rtlCol="0">
+            <a:spAutoFit/>
+          </a:bodyPr>
+          <a:lstStyle/>
+          <a:p>
+            <a:r>
+              <a:rPr lang="en-US" sz="8000" b="1" dirty="0">
+                <a:solidFill>
+                  <a:srgbClr val="7F7F7F"/>
+                </a:solidFill>
+                <a:latin typeface="Helvetica Neue"/>
+                <a:cs typeface="Helvetica Neue"/>
+              </a:rPr>
+              <a:t>Results</a:t>
+            </a:r>
+          </a:p>
+        </p:txBody>
+      </p:sp>
       <p:sp>
         <p:nvSpPr>
           <p:cNvPr id="19" name="TextBox 18">
@@ -4928,13 +4699,236 @@
                 <a:ea typeface="Helvetica Neue" panose="02000503000000020004" pitchFamily="2" charset="0"/>
                 <a:cs typeface="Helvetica Neue" panose="02000503000000020004" pitchFamily="2" charset="0"/>
               </a:rPr>
-              <a:t>We currently support a number of basic algorithms, as well as some of the basic python documentation. These were chosen because they are simple but easily forgotten or confused things that will effectively demonstrate how LOOM can help your workflow.</a:t>
+              <a:t>We currently support a number of basic algorithms, as well as some of the basic python documentation. These were chosen because they are simple but easily forgotten or confused things that will effectively demonstrate how LOOM can help your workflow. Other syntax features are already present in modern IDEs.</a:t>
             </a:r>
             <a:endParaRPr lang="en-US" sz="3200" b="1" dirty="0">
               <a:latin typeface="Helvetica Neue" panose="02000503000000020004" pitchFamily="2" charset="0"/>
               <a:ea typeface="Helvetica Neue" panose="02000503000000020004" pitchFamily="2" charset="0"/>
               <a:cs typeface="Helvetica Neue" panose="02000503000000020004" pitchFamily="2" charset="0"/>
             </a:endParaRPr>
+          </a:p>
+        </p:txBody>
+      </p:sp>
+      <p:pic>
+        <p:nvPicPr>
+          <p:cNvPr id="11" name="Picture 10">
+            <a:extLst>
+              <a:ext uri="{FF2B5EF4-FFF2-40B4-BE49-F238E27FC236}">
+                <a16:creationId xmlns:a16="http://schemas.microsoft.com/office/drawing/2014/main" id="{272D6638-0DAF-944F-981B-D7FC56CF68EF}"/>
+              </a:ext>
+            </a:extLst>
+          </p:cNvPr>
+          <p:cNvPicPr>
+            <a:picLocks noChangeAspect="1"/>
+          </p:cNvPicPr>
+          <p:nvPr/>
+        </p:nvPicPr>
+        <p:blipFill>
+          <a:blip r:embed="rId5"/>
+          <a:stretch>
+            <a:fillRect/>
+          </a:stretch>
+        </p:blipFill>
+        <p:spPr>
+          <a:xfrm>
+            <a:off x="34700491" y="420501"/>
+            <a:ext cx="8301760" cy="3557897"/>
+          </a:xfrm>
+          <a:prstGeom prst="rect">
+            <a:avLst/>
+          </a:prstGeom>
+        </p:spPr>
+      </p:pic>
+      <p:pic>
+        <p:nvPicPr>
+          <p:cNvPr id="43" name="Picture 42">
+            <a:extLst>
+              <a:ext uri="{FF2B5EF4-FFF2-40B4-BE49-F238E27FC236}">
+                <a16:creationId xmlns:a16="http://schemas.microsoft.com/office/drawing/2014/main" id="{BF6BF7E8-6D9E-A844-91BC-3266E8913E7C}"/>
+              </a:ext>
+            </a:extLst>
+          </p:cNvPr>
+          <p:cNvPicPr>
+            <a:picLocks noChangeAspect="1"/>
+          </p:cNvPicPr>
+          <p:nvPr/>
+        </p:nvPicPr>
+        <p:blipFill>
+          <a:blip r:embed="rId6"/>
+          <a:stretch>
+            <a:fillRect/>
+          </a:stretch>
+        </p:blipFill>
+        <p:spPr>
+          <a:xfrm>
+            <a:off x="28937534" y="20203343"/>
+            <a:ext cx="14604625" cy="8938065"/>
+          </a:xfrm>
+          <a:prstGeom prst="rect">
+            <a:avLst/>
+          </a:prstGeom>
+        </p:spPr>
+      </p:pic>
+      <p:pic>
+        <p:nvPicPr>
+          <p:cNvPr id="29" name="Picture 28">
+            <a:extLst>
+              <a:ext uri="{FF2B5EF4-FFF2-40B4-BE49-F238E27FC236}">
+                <a16:creationId xmlns:a16="http://schemas.microsoft.com/office/drawing/2014/main" id="{81AE40FD-3F50-A54F-B6BC-BB3C25FB4C7C}"/>
+              </a:ext>
+            </a:extLst>
+          </p:cNvPr>
+          <p:cNvPicPr>
+            <a:picLocks noChangeAspect="1"/>
+          </p:cNvPicPr>
+          <p:nvPr/>
+        </p:nvPicPr>
+        <p:blipFill>
+          <a:blip r:embed="rId7"/>
+          <a:stretch>
+            <a:fillRect/>
+          </a:stretch>
+        </p:blipFill>
+        <p:spPr>
+          <a:xfrm>
+            <a:off x="28937536" y="6696889"/>
+            <a:ext cx="14604625" cy="8936640"/>
+          </a:xfrm>
+          <a:prstGeom prst="rect">
+            <a:avLst/>
+          </a:prstGeom>
+        </p:spPr>
+      </p:pic>
+      <p:sp>
+        <p:nvSpPr>
+          <p:cNvPr id="51" name="Rectangle 50">
+            <a:extLst>
+              <a:ext uri="{FF2B5EF4-FFF2-40B4-BE49-F238E27FC236}">
+                <a16:creationId xmlns:a16="http://schemas.microsoft.com/office/drawing/2014/main" id="{67AFD502-8E12-DB41-8574-7FC0A201C2E9}"/>
+              </a:ext>
+            </a:extLst>
+          </p:cNvPr>
+          <p:cNvSpPr/>
+          <p:nvPr/>
+        </p:nvSpPr>
+        <p:spPr>
+          <a:xfrm>
+            <a:off x="28937534" y="16722876"/>
+            <a:ext cx="14604625" cy="2954655"/>
+          </a:xfrm>
+          <a:prstGeom prst="rect">
+            <a:avLst/>
+          </a:prstGeom>
+        </p:spPr>
+        <p:txBody>
+          <a:bodyPr wrap="square" lIns="0" tIns="0" rIns="0" bIns="0">
+            <a:spAutoFit/>
+          </a:bodyPr>
+          <a:lstStyle/>
+          <a:p>
+            <a:pPr algn="just"/>
+            <a:r>
+              <a:rPr lang="en-US" sz="3200" dirty="0">
+                <a:latin typeface="Helvetica Neue" charset="0"/>
+                <a:ea typeface="Helvetica Neue" charset="0"/>
+                <a:cs typeface="Helvetica Neue" charset="0"/>
+              </a:rPr>
+              <a:t>LOOM returns a three sets of data for each algorithm: description, pseudo code, and Python 3 sample code. These appear as tabbed panels on the right-hand side of the IDE. The description panel gives a text summary of the algorithm. The pseudo code panel shows a simplified algorithmic explanation. Finally, the sample code panel contains runnable Python 3 code that can be copied into the editor and ran; this code can be modified to fit the developer’s use case.</a:t>
+            </a:r>
+          </a:p>
+        </p:txBody>
+      </p:sp>
+      <p:sp>
+        <p:nvSpPr>
+          <p:cNvPr id="52" name="Rectangle 51">
+            <a:extLst>
+              <a:ext uri="{FF2B5EF4-FFF2-40B4-BE49-F238E27FC236}">
+                <a16:creationId xmlns:a16="http://schemas.microsoft.com/office/drawing/2014/main" id="{9B7A2284-FBED-3643-AC0D-AEFAFB0A13A8}"/>
+              </a:ext>
+            </a:extLst>
+          </p:cNvPr>
+          <p:cNvSpPr/>
+          <p:nvPr/>
+        </p:nvSpPr>
+        <p:spPr>
+          <a:xfrm>
+            <a:off x="28937534" y="15851013"/>
+            <a:ext cx="14604625" cy="492443"/>
+          </a:xfrm>
+          <a:prstGeom prst="rect">
+            <a:avLst/>
+          </a:prstGeom>
+        </p:spPr>
+        <p:txBody>
+          <a:bodyPr wrap="square" lIns="0" tIns="0" rIns="0" bIns="0">
+            <a:spAutoFit/>
+          </a:bodyPr>
+          <a:lstStyle/>
+          <a:p>
+            <a:pPr algn="just"/>
+            <a:r>
+              <a:rPr lang="en-US" sz="3200" b="1" dirty="0">
+                <a:latin typeface="Helvetica Neue" charset="0"/>
+                <a:ea typeface="Helvetica Neue" charset="0"/>
+                <a:cs typeface="Helvetica Neue" charset="0"/>
+              </a:rPr>
+              <a:t>Figure 1.</a:t>
+            </a:r>
+            <a:r>
+              <a:rPr lang="en-US" sz="3200" dirty="0">
+                <a:latin typeface="Helvetica Neue" charset="0"/>
+                <a:ea typeface="Helvetica Neue" charset="0"/>
+                <a:cs typeface="Helvetica Neue" charset="0"/>
+              </a:rPr>
+              <a:t> Quicksort Description.</a:t>
+            </a:r>
+          </a:p>
+        </p:txBody>
+      </p:sp>
+      <p:sp>
+        <p:nvSpPr>
+          <p:cNvPr id="53" name="Rectangle 52">
+            <a:extLst>
+              <a:ext uri="{FF2B5EF4-FFF2-40B4-BE49-F238E27FC236}">
+                <a16:creationId xmlns:a16="http://schemas.microsoft.com/office/drawing/2014/main" id="{9D588DAF-C778-B247-99E0-E059A37375B7}"/>
+              </a:ext>
+            </a:extLst>
+          </p:cNvPr>
+          <p:cNvSpPr/>
+          <p:nvPr/>
+        </p:nvSpPr>
+        <p:spPr>
+          <a:xfrm>
+            <a:off x="28937534" y="29442526"/>
+            <a:ext cx="14604625" cy="492443"/>
+          </a:xfrm>
+          <a:prstGeom prst="rect">
+            <a:avLst/>
+          </a:prstGeom>
+        </p:spPr>
+        <p:txBody>
+          <a:bodyPr wrap="square" lIns="0" tIns="0" rIns="0" bIns="0">
+            <a:spAutoFit/>
+          </a:bodyPr>
+          <a:lstStyle/>
+          <a:p>
+            <a:pPr algn="just"/>
+            <a:r>
+              <a:rPr lang="en-US" sz="3200" b="1" dirty="0">
+                <a:latin typeface="Helvetica Neue" charset="0"/>
+                <a:ea typeface="Helvetica Neue" charset="0"/>
+                <a:cs typeface="Helvetica Neue" charset="0"/>
+              </a:rPr>
+              <a:t>Figure 2.</a:t>
+            </a:r>
+            <a:r>
+              <a:rPr lang="en-US" sz="3200" dirty="0">
+                <a:latin typeface="Helvetica Neue" charset="0"/>
+                <a:ea typeface="Helvetica Neue" charset="0"/>
+                <a:cs typeface="Helvetica Neue" charset="0"/>
+              </a:rPr>
+              <a:t> Quicksort Code.</a:t>
+            </a:r>
           </a:p>
         </p:txBody>
       </p:sp>

--- a/LOOM.pptx
+++ b/LOOM.pptx
@@ -3900,10 +3900,10 @@
         </p:nvGrpSpPr>
         <p:grpSpPr>
           <a:xfrm>
-            <a:off x="1321880" y="5185829"/>
-            <a:ext cx="11659926" cy="7531066"/>
-            <a:chOff x="833413" y="4251534"/>
-            <a:chExt cx="9632307" cy="9560180"/>
+            <a:off x="1321880" y="5185828"/>
+            <a:ext cx="11454308" cy="9907923"/>
+            <a:chOff x="833413" y="4251533"/>
+            <a:chExt cx="9462445" cy="12577439"/>
           </a:xfrm>
         </p:grpSpPr>
         <p:sp>
@@ -3914,8 +3914,8 @@
           </p:nvSpPr>
           <p:spPr>
             <a:xfrm>
-              <a:off x="833413" y="4251534"/>
-              <a:ext cx="9462445" cy="9560180"/>
+              <a:off x="833413" y="4251533"/>
+              <a:ext cx="9462445" cy="12577439"/>
             </a:xfrm>
             <a:prstGeom prst="roundRect">
               <a:avLst>
@@ -3961,8 +3961,8 @@
           </p:nvSpPr>
           <p:spPr>
             <a:xfrm>
-              <a:off x="833413" y="4323961"/>
-              <a:ext cx="9632307" cy="9285105"/>
+              <a:off x="1229399" y="4309698"/>
+              <a:ext cx="9020106" cy="12276413"/>
             </a:xfrm>
             <a:prstGeom prst="rect">
               <a:avLst/>
@@ -3982,13 +3982,13 @@
                 </a:lnSpc>
               </a:pPr>
               <a:r>
-                <a:rPr lang="en-US" sz="4000" i="1" dirty="0">
+                <a:rPr lang="en-US" sz="4400" i="1" dirty="0">
                   <a:latin typeface="Helvetica Neue Light"/>
                   <a:cs typeface="Helvetica Neue Light"/>
                 </a:rPr>
                 <a:t>LOOM is a programming tool that simplifies the developer's workflow. It gives quick and easy access to documentation and real code related to the developer's current task without leaving their development environment. We use IBM Watson tools and services to provide context-based suggestions from curated resources.  This proof-of-concept shows great promise for speeding up development for both experienced and inexperienced software engineers.</a:t>
               </a:r>
-              <a:endParaRPr lang="en-US" sz="4000" dirty="0">
+              <a:endParaRPr lang="en-US" sz="4400" dirty="0">
                 <a:latin typeface="Helvetica Neue Light"/>
                 <a:cs typeface="Helvetica Neue Light"/>
               </a:endParaRPr>
@@ -3998,259 +3998,63 @@
       </p:grpSp>
       <p:grpSp>
         <p:nvGrpSpPr>
-          <p:cNvPr id="16" name="Group 15"/>
+          <p:cNvPr id="7" name="Group 6"/>
           <p:cNvGrpSpPr/>
           <p:nvPr/>
         </p:nvGrpSpPr>
         <p:grpSpPr>
           <a:xfrm>
-            <a:off x="1208550" y="13039892"/>
-            <a:ext cx="12110742" cy="17192378"/>
-            <a:chOff x="1208550" y="9388796"/>
-            <a:chExt cx="12110742" cy="20843475"/>
+            <a:off x="1208550" y="15633529"/>
+            <a:ext cx="12104200" cy="13532152"/>
+            <a:chOff x="953556" y="7184343"/>
+            <a:chExt cx="10133496" cy="8651736"/>
           </a:xfrm>
         </p:grpSpPr>
-        <p:grpSp>
-          <p:nvGrpSpPr>
-            <p:cNvPr id="7" name="Group 6"/>
-            <p:cNvGrpSpPr/>
-            <p:nvPr/>
-          </p:nvGrpSpPr>
-          <p:grpSpPr>
-            <a:xfrm>
-              <a:off x="1215092" y="9388796"/>
-              <a:ext cx="12104200" cy="7769018"/>
-              <a:chOff x="953556" y="7184343"/>
-              <a:chExt cx="10133496" cy="4097022"/>
-            </a:xfrm>
-          </p:grpSpPr>
-          <p:sp>
-            <p:nvSpPr>
-              <p:cNvPr id="614" name="TextBox 613"/>
-              <p:cNvSpPr txBox="1"/>
-              <p:nvPr/>
-            </p:nvSpPr>
-            <p:spPr>
-              <a:xfrm>
-                <a:off x="953556" y="7184343"/>
-                <a:ext cx="3895871" cy="649229"/>
-              </a:xfrm>
-              <a:prstGeom prst="rect">
-                <a:avLst/>
-              </a:prstGeom>
-              <a:noFill/>
-            </p:spPr>
-            <p:txBody>
-              <a:bodyPr wrap="none" lIns="0" tIns="0" rIns="0" bIns="0" rtlCol="0">
-                <a:spAutoFit/>
-              </a:bodyPr>
-              <a:lstStyle/>
-              <a:p>
-                <a:r>
-                  <a:rPr lang="en-US" sz="8000" b="1" dirty="0">
-                    <a:solidFill>
-                      <a:srgbClr val="7F7F7F"/>
-                    </a:solidFill>
-                    <a:latin typeface="Helvetica Neue"/>
-                    <a:cs typeface="Helvetica Neue"/>
-                  </a:rPr>
-                  <a:t>Summary</a:t>
-                </a:r>
-              </a:p>
-            </p:txBody>
-          </p:sp>
-          <p:sp>
-            <p:nvSpPr>
-              <p:cNvPr id="70" name="TextBox 69"/>
-              <p:cNvSpPr txBox="1"/>
-              <p:nvPr/>
-            </p:nvSpPr>
-            <p:spPr>
-              <a:xfrm>
-                <a:off x="953556" y="7885013"/>
-                <a:ext cx="10133496" cy="3396352"/>
-              </a:xfrm>
-              <a:prstGeom prst="rect">
-                <a:avLst/>
-              </a:prstGeom>
-              <a:noFill/>
-            </p:spPr>
-            <p:txBody>
-              <a:bodyPr wrap="square" rtlCol="0">
-                <a:spAutoFit/>
-              </a:bodyPr>
-              <a:lstStyle/>
-              <a:p>
-                <a:pPr marL="457200" indent="-457200" algn="just">
-                  <a:spcBef>
-                    <a:spcPct val="20000"/>
-                  </a:spcBef>
-                  <a:buFont typeface="Arial" panose="020B0604020202020204" pitchFamily="34" charset="0"/>
-                  <a:buChar char="•"/>
-                </a:pPr>
-                <a:r>
-                  <a:rPr lang="en-US" sz="3200" dirty="0">
-                    <a:latin typeface="Helvetica Neue" charset="0"/>
-                    <a:ea typeface="Helvetica Neue" charset="0"/>
-                    <a:cs typeface="Helvetica Neue" charset="0"/>
-                  </a:rPr>
-                  <a:t>VS Code</a:t>
-                </a:r>
-              </a:p>
-              <a:p>
-                <a:pPr marL="457200" indent="-457200" algn="just">
-                  <a:spcBef>
-                    <a:spcPct val="20000"/>
-                  </a:spcBef>
-                  <a:buFont typeface="Arial" panose="020B0604020202020204" pitchFamily="34" charset="0"/>
-                  <a:buChar char="•"/>
-                </a:pPr>
-                <a:r>
-                  <a:rPr lang="en-US" sz="3200" dirty="0">
-                    <a:latin typeface="Helvetica Neue" charset="0"/>
-                    <a:ea typeface="Helvetica Neue" charset="0"/>
-                    <a:cs typeface="Helvetica Neue" charset="0"/>
-                  </a:rPr>
-                  <a:t>Python support</a:t>
-                </a:r>
-              </a:p>
-              <a:p>
-                <a:pPr marL="457200" indent="-457200" algn="just">
-                  <a:spcBef>
-                    <a:spcPct val="20000"/>
-                  </a:spcBef>
-                  <a:buFont typeface="Arial" panose="020B0604020202020204" pitchFamily="34" charset="0"/>
-                  <a:buChar char="•"/>
-                </a:pPr>
-                <a:r>
-                  <a:rPr lang="en-US" sz="3200" dirty="0">
-                    <a:latin typeface="Helvetica Neue" charset="0"/>
-                    <a:ea typeface="Helvetica Neue" charset="0"/>
-                    <a:cs typeface="Helvetica Neue" charset="0"/>
-                  </a:rPr>
-                  <a:t>Algorithm and python doc data</a:t>
-                </a:r>
-              </a:p>
-              <a:p>
-                <a:pPr marL="457200" indent="-457200" algn="just">
-                  <a:spcBef>
-                    <a:spcPct val="20000"/>
-                  </a:spcBef>
-                  <a:buFont typeface="Arial" panose="020B0604020202020204" pitchFamily="34" charset="0"/>
-                  <a:buChar char="•"/>
-                </a:pPr>
-                <a:r>
-                  <a:rPr lang="en-US" sz="3200" dirty="0">
-                    <a:latin typeface="Helvetica Neue" charset="0"/>
-                    <a:ea typeface="Helvetica Neue" charset="0"/>
-                    <a:cs typeface="Helvetica Neue" charset="0"/>
-                  </a:rPr>
-                  <a:t>Discovery and NLC data paths</a:t>
-                </a:r>
-              </a:p>
-              <a:p>
-                <a:pPr marL="457200" indent="-457200" algn="just">
-                  <a:spcBef>
-                    <a:spcPct val="20000"/>
-                  </a:spcBef>
-                  <a:buFont typeface="Arial" panose="020B0604020202020204" pitchFamily="34" charset="0"/>
-                  <a:buChar char="•"/>
-                </a:pPr>
-                <a:r>
-                  <a:rPr lang="en-US" sz="3200" dirty="0">
-                    <a:latin typeface="Helvetica Neue" charset="0"/>
-                    <a:ea typeface="Helvetica Neue" charset="0"/>
-                    <a:cs typeface="Helvetica Neue" charset="0"/>
-                  </a:rPr>
-                  <a:t>Results</a:t>
-                </a:r>
-              </a:p>
-              <a:p>
-                <a:pPr marL="2598385" lvl="1" indent="-457200" algn="just">
-                  <a:spcBef>
-                    <a:spcPct val="20000"/>
-                  </a:spcBef>
-                  <a:buFont typeface="Arial" panose="020B0604020202020204" pitchFamily="34" charset="0"/>
-                  <a:buChar char="•"/>
-                </a:pPr>
-                <a:r>
-                  <a:rPr lang="en-US" sz="3200" dirty="0">
-                    <a:latin typeface="Helvetica Neue" charset="0"/>
-                    <a:ea typeface="Helvetica Neue" charset="0"/>
-                    <a:cs typeface="Helvetica Neue" charset="0"/>
-                  </a:rPr>
-                  <a:t>Description</a:t>
-                </a:r>
-              </a:p>
-              <a:p>
-                <a:pPr marL="2598385" lvl="1" indent="-457200" algn="just">
-                  <a:spcBef>
-                    <a:spcPct val="20000"/>
-                  </a:spcBef>
-                  <a:buFont typeface="Arial" panose="020B0604020202020204" pitchFamily="34" charset="0"/>
-                  <a:buChar char="•"/>
-                </a:pPr>
-                <a:r>
-                  <a:rPr lang="en-US" sz="3200" dirty="0">
-                    <a:latin typeface="Helvetica Neue" charset="0"/>
-                    <a:ea typeface="Helvetica Neue" charset="0"/>
-                    <a:cs typeface="Helvetica Neue" charset="0"/>
-                  </a:rPr>
-                  <a:t>Pseudocode</a:t>
-                </a:r>
-              </a:p>
-              <a:p>
-                <a:pPr marL="2598385" lvl="1" indent="-457200" algn="just">
-                  <a:spcBef>
-                    <a:spcPct val="20000"/>
-                  </a:spcBef>
-                  <a:buFont typeface="Arial" panose="020B0604020202020204" pitchFamily="34" charset="0"/>
-                  <a:buChar char="•"/>
-                </a:pPr>
-                <a:r>
-                  <a:rPr lang="en-US" sz="3200" dirty="0" err="1">
-                    <a:latin typeface="Helvetica Neue" charset="0"/>
-                    <a:ea typeface="Helvetica Neue" charset="0"/>
-                    <a:cs typeface="Helvetica Neue" charset="0"/>
-                  </a:rPr>
-                  <a:t>Samplecode</a:t>
-                </a:r>
-                <a:endParaRPr lang="en-US" sz="3200" dirty="0">
-                  <a:latin typeface="Helvetica Neue" charset="0"/>
-                  <a:ea typeface="Helvetica Neue" charset="0"/>
-                  <a:cs typeface="Helvetica Neue" charset="0"/>
-                </a:endParaRPr>
-              </a:p>
-              <a:p>
-                <a:pPr marL="457200" indent="-457200" algn="just">
-                  <a:spcBef>
-                    <a:spcPct val="20000"/>
-                  </a:spcBef>
-                  <a:buFont typeface="Arial" panose="020B0604020202020204" pitchFamily="34" charset="0"/>
-                  <a:buChar char="•"/>
-                </a:pPr>
-                <a:r>
-                  <a:rPr lang="en-US" sz="3200" dirty="0">
-                    <a:latin typeface="Helvetica Neue" charset="0"/>
-                    <a:ea typeface="Helvetica Neue" charset="0"/>
-                    <a:cs typeface="Helvetica Neue" charset="0"/>
-                  </a:rPr>
-                  <a:t>Anything else you want to include</a:t>
-                </a:r>
-              </a:p>
-            </p:txBody>
-          </p:sp>
-        </p:grpSp>
         <p:sp>
           <p:nvSpPr>
-            <p:cNvPr id="2" name="TextBox 1"/>
+            <p:cNvPr id="614" name="TextBox 613"/>
             <p:cNvSpPr txBox="1"/>
             <p:nvPr/>
           </p:nvSpPr>
           <p:spPr>
             <a:xfrm>
-              <a:off x="1208550" y="29278164"/>
-              <a:ext cx="12104200" cy="954107"/>
+              <a:off x="953556" y="7184343"/>
+              <a:ext cx="3895871" cy="649229"/>
+            </a:xfrm>
+            <a:prstGeom prst="rect">
+              <a:avLst/>
+            </a:prstGeom>
+            <a:noFill/>
+          </p:spPr>
+          <p:txBody>
+            <a:bodyPr wrap="none" lIns="0" tIns="0" rIns="0" bIns="0" rtlCol="0">
+              <a:spAutoFit/>
+            </a:bodyPr>
+            <a:lstStyle/>
+            <a:p>
+              <a:r>
+                <a:rPr lang="en-US" sz="8000" b="1" dirty="0">
+                  <a:solidFill>
+                    <a:srgbClr val="7F7F7F"/>
+                  </a:solidFill>
+                  <a:latin typeface="Helvetica Neue"/>
+                  <a:cs typeface="Helvetica Neue"/>
+                </a:rPr>
+                <a:t>Summary</a:t>
+              </a:r>
+            </a:p>
+          </p:txBody>
+        </p:sp>
+        <p:sp>
+          <p:nvSpPr>
+            <p:cNvPr id="70" name="TextBox 69"/>
+            <p:cNvSpPr txBox="1"/>
+            <p:nvPr/>
+          </p:nvSpPr>
+          <p:spPr>
+            <a:xfrm>
+              <a:off x="953556" y="8142141"/>
+              <a:ext cx="10133496" cy="7693938"/>
             </a:xfrm>
             <a:prstGeom prst="rect">
               <a:avLst/>
@@ -4263,197 +4067,49 @@
             </a:bodyPr>
             <a:lstStyle/>
             <a:p>
+              <a:pPr algn="just">
+                <a:spcBef>
+                  <a:spcPct val="20000"/>
+                </a:spcBef>
+              </a:pPr>
               <a:r>
-                <a:rPr lang="en-US" sz="2800" b="1" dirty="0">
+                <a:rPr lang="en-US" sz="4000" dirty="0">
                   <a:latin typeface="Helvetica Neue" charset="0"/>
                   <a:ea typeface="Helvetica Neue" charset="0"/>
                   <a:cs typeface="Helvetica Neue" charset="0"/>
                 </a:rPr>
-                <a:t>Figure 1.</a:t>
+                <a:t>LOOM is an extension for Visual Studio Code (VS Code). IBM Watson services process natural language and code queries to collections of relevant documents. The user can search keywords or questions like with a traditional search engine or search using their code as the query. The code queries are sent through IBM Watson Natural Language Classifier, which categorizes your code into the nearest category we have references on. The collection contains both common algorithms and python standard library reference material. This material has descriptions and working python sample code.</a:t>
               </a:r>
-              <a:r>
-                <a:rPr lang="en-US" sz="2800" dirty="0">
-                  <a:latin typeface="Helvetica Neue" charset="0"/>
-                  <a:ea typeface="Helvetica Neue" charset="0"/>
-                  <a:cs typeface="Helvetica Neue" charset="0"/>
-                </a:rPr>
-                <a:t> (A) shows visual information; (B) shows the textual information. Both are used to create the table of mappings shown in </a:t>
-              </a:r>
-              <a:r>
-                <a:rPr lang="de-DE" sz="2800" dirty="0">
-                  <a:latin typeface="Helvetica Neue" charset="0"/>
-                  <a:ea typeface="Helvetica Neue" charset="0"/>
-                  <a:cs typeface="Helvetica Neue" charset="0"/>
-                </a:rPr>
-                <a:t>(C).</a:t>
-              </a:r>
-              <a:endParaRPr lang="en-US" sz="2800" dirty="0">
+            </a:p>
+            <a:p>
+              <a:pPr algn="just">
+                <a:spcBef>
+                  <a:spcPct val="20000"/>
+                </a:spcBef>
+              </a:pPr>
+              <a:endParaRPr lang="en-US" sz="4000" dirty="0">
                 <a:latin typeface="Helvetica Neue" charset="0"/>
                 <a:ea typeface="Helvetica Neue" charset="0"/>
                 <a:cs typeface="Helvetica Neue" charset="0"/>
               </a:endParaRPr>
             </a:p>
-          </p:txBody>
-        </p:sp>
-      </p:grpSp>
-      <p:grpSp>
-        <p:nvGrpSpPr>
-          <p:cNvPr id="21" name="Group 20"/>
-          <p:cNvGrpSpPr/>
-          <p:nvPr/>
-        </p:nvGrpSpPr>
-        <p:grpSpPr>
-          <a:xfrm>
-            <a:off x="13904924" y="4490144"/>
-            <a:ext cx="14458893" cy="10796795"/>
-            <a:chOff x="13629011" y="5246385"/>
-            <a:chExt cx="14458893" cy="10796795"/>
-          </a:xfrm>
-        </p:grpSpPr>
-        <p:sp>
-          <p:nvSpPr>
-            <p:cNvPr id="30" name="TextBox 29"/>
-            <p:cNvSpPr txBox="1"/>
-            <p:nvPr/>
-          </p:nvSpPr>
-          <p:spPr>
-            <a:xfrm>
-              <a:off x="13629011" y="13192289"/>
-              <a:ext cx="14458893" cy="523220"/>
-            </a:xfrm>
-            <a:prstGeom prst="rect">
-              <a:avLst/>
-            </a:prstGeom>
-            <a:noFill/>
-          </p:spPr>
-          <p:txBody>
-            <a:bodyPr wrap="square" rtlCol="0">
-              <a:spAutoFit/>
-            </a:bodyPr>
-            <a:lstStyle/>
             <a:p>
+              <a:pPr algn="just">
+                <a:spcBef>
+                  <a:spcPct val="20000"/>
+                </a:spcBef>
+              </a:pPr>
               <a:r>
-                <a:rPr lang="en-US" sz="2800" b="1" dirty="0">
+                <a:rPr lang="en-US" sz="4000" dirty="0">
                   <a:latin typeface="Helvetica Neue" charset="0"/>
                   <a:ea typeface="Helvetica Neue" charset="0"/>
                   <a:cs typeface="Helvetica Neue" charset="0"/>
                 </a:rPr>
-                <a:t>Figure 2.</a:t>
-              </a:r>
-              <a:r>
-                <a:rPr lang="en-US" sz="2800" dirty="0">
-                  <a:latin typeface="Helvetica Neue" charset="0"/>
-                  <a:ea typeface="Helvetica Neue" charset="0"/>
-                  <a:cs typeface="Helvetica Neue" charset="0"/>
-                </a:rPr>
-                <a:t> </a:t>
-              </a:r>
-              <a:r>
-                <a:rPr lang="en-US" sz="2800" dirty="0">
-                  <a:latin typeface="Helvetica Neue"/>
-                  <a:cs typeface="Helvetica Neue"/>
-                </a:rPr>
-                <a:t>Screenshot</a:t>
+                <a:t>This is a proof of concept; python is a simple language with little clutter, which makes NLC work better and sample code simpler. This could be extended to other languages and/or more categories and documents for reference material.</a:t>
               </a:r>
             </a:p>
           </p:txBody>
         </p:sp>
-        <p:grpSp>
-          <p:nvGrpSpPr>
-            <p:cNvPr id="8" name="Group 7"/>
-            <p:cNvGrpSpPr/>
-            <p:nvPr/>
-          </p:nvGrpSpPr>
-          <p:grpSpPr>
-            <a:xfrm>
-              <a:off x="13629012" y="5246385"/>
-              <a:ext cx="14446978" cy="10796795"/>
-              <a:chOff x="951703" y="12784319"/>
-              <a:chExt cx="9962604" cy="7445444"/>
-            </a:xfrm>
-          </p:grpSpPr>
-          <p:sp>
-            <p:nvSpPr>
-              <p:cNvPr id="615" name="TextBox 614"/>
-              <p:cNvSpPr txBox="1"/>
-              <p:nvPr/>
-            </p:nvSpPr>
-            <p:spPr>
-              <a:xfrm>
-                <a:off x="953556" y="12784319"/>
-                <a:ext cx="4717389" cy="848968"/>
-              </a:xfrm>
-              <a:prstGeom prst="rect">
-                <a:avLst/>
-              </a:prstGeom>
-              <a:noFill/>
-            </p:spPr>
-            <p:txBody>
-              <a:bodyPr wrap="none" lIns="0" tIns="0" rIns="0" bIns="0" rtlCol="0">
-                <a:spAutoFit/>
-              </a:bodyPr>
-              <a:lstStyle/>
-              <a:p>
-                <a:r>
-                  <a:rPr lang="en-US" sz="8000" b="1" dirty="0">
-                    <a:solidFill>
-                      <a:srgbClr val="7F7F7F"/>
-                    </a:solidFill>
-                    <a:latin typeface="Helvetica Neue"/>
-                    <a:cs typeface="Helvetica Neue"/>
-                  </a:rPr>
-                  <a:t>Our Approach</a:t>
-                </a:r>
-              </a:p>
-            </p:txBody>
-          </p:sp>
-          <p:sp>
-            <p:nvSpPr>
-              <p:cNvPr id="69" name="Rectangle 68"/>
-              <p:cNvSpPr/>
-              <p:nvPr/>
-            </p:nvSpPr>
-            <p:spPr>
-              <a:xfrm>
-                <a:off x="951703" y="19550589"/>
-                <a:ext cx="9962604" cy="679174"/>
-              </a:xfrm>
-              <a:prstGeom prst="rect">
-                <a:avLst/>
-              </a:prstGeom>
-            </p:spPr>
-            <p:txBody>
-              <a:bodyPr wrap="square" lIns="0" tIns="0" rIns="0" bIns="0">
-                <a:spAutoFit/>
-              </a:bodyPr>
-              <a:lstStyle/>
-              <a:p>
-                <a:pPr algn="just"/>
-                <a:r>
-                  <a:rPr lang="en-US" sz="3200" b="1" dirty="0">
-                    <a:latin typeface="Helvetica Neue"/>
-                    <a:ea typeface="Helvetica Neue" charset="0"/>
-                    <a:cs typeface="Helvetica Neue"/>
-                  </a:rPr>
-                  <a:t>IBM Watson Discovery.</a:t>
-                </a:r>
-                <a:r>
-                  <a:rPr lang="en-US" sz="3200" dirty="0">
-                    <a:latin typeface="Helvetica Neue"/>
-                    <a:ea typeface="Helvetica Neue" charset="0"/>
-                    <a:cs typeface="Helvetica Neue"/>
-                  </a:rPr>
-                  <a:t> For storing and analyzing document, we use IBM Watson Discovery.</a:t>
-                </a:r>
-                <a:endParaRPr lang="en-US" sz="3200" b="1" dirty="0">
-                  <a:latin typeface="Helvetica Neue" charset="0"/>
-                  <a:ea typeface="Helvetica Neue" charset="0"/>
-                  <a:cs typeface="Helvetica Neue" charset="0"/>
-                </a:endParaRPr>
-              </a:p>
-            </p:txBody>
-          </p:sp>
-        </p:grpSp>
       </p:grpSp>
       <p:sp>
         <p:nvSpPr>
@@ -4536,7 +4192,7 @@
         </p:nvSpPr>
         <p:spPr>
           <a:xfrm>
-            <a:off x="13904924" y="15494710"/>
+            <a:off x="13916838" y="5188626"/>
             <a:ext cx="8489504" cy="1231106"/>
           </a:xfrm>
           <a:prstGeom prst="rect">
@@ -4577,8 +4233,8 @@
         </p:nvSpPr>
         <p:spPr>
           <a:xfrm>
-            <a:off x="13916838" y="16725816"/>
-            <a:ext cx="13515162" cy="12895838"/>
+            <a:off x="13916838" y="6749977"/>
+            <a:ext cx="13515162" cy="19174480"/>
           </a:xfrm>
           <a:prstGeom prst="rect">
             <a:avLst/>
@@ -4591,12 +4247,9 @@
           </a:bodyPr>
           <a:lstStyle/>
           <a:p>
-            <a:pPr marL="457200" indent="-457200">
-              <a:buFont typeface="Arial" panose="020B0604020202020204" pitchFamily="34" charset="0"/>
-              <a:buChar char="•"/>
-            </a:pPr>
-            <a:r>
-              <a:rPr lang="en-US" sz="3200" b="1" dirty="0">
+            <a:pPr algn="just"/>
+            <a:r>
+              <a:rPr lang="en-US" sz="4000" b="1" dirty="0">
                 <a:latin typeface="Helvetica Neue" panose="02000503000000020004" pitchFamily="2" charset="0"/>
                 <a:ea typeface="Helvetica Neue" panose="02000503000000020004" pitchFamily="2" charset="0"/>
                 <a:cs typeface="Helvetica Neue" panose="02000503000000020004" pitchFamily="2" charset="0"/>
@@ -4604,7 +4257,7 @@
               <a:t>Visual Studio Code extension:</a:t>
             </a:r>
             <a:r>
-              <a:rPr lang="en-US" sz="3200" dirty="0">
+              <a:rPr lang="en-US" sz="4000" dirty="0">
                 <a:latin typeface="Helvetica Neue" panose="02000503000000020004" pitchFamily="2" charset="0"/>
                 <a:ea typeface="Helvetica Neue" panose="02000503000000020004" pitchFamily="2" charset="0"/>
                 <a:cs typeface="Helvetica Neue" panose="02000503000000020004" pitchFamily="2" charset="0"/>
@@ -4613,19 +4266,17 @@
             </a:r>
           </a:p>
           <a:p>
-            <a:endParaRPr lang="en-US" sz="3200" dirty="0">
+            <a:pPr algn="just"/>
+            <a:endParaRPr lang="en-US" sz="4000" dirty="0">
               <a:latin typeface="Helvetica Neue" panose="02000503000000020004" pitchFamily="2" charset="0"/>
               <a:ea typeface="Helvetica Neue" panose="02000503000000020004" pitchFamily="2" charset="0"/>
               <a:cs typeface="Helvetica Neue" panose="02000503000000020004" pitchFamily="2" charset="0"/>
             </a:endParaRPr>
           </a:p>
           <a:p>
-            <a:pPr marL="457200" indent="-457200">
-              <a:buFont typeface="Arial" panose="020B0604020202020204" pitchFamily="34" charset="0"/>
-              <a:buChar char="•"/>
-            </a:pPr>
-            <a:r>
-              <a:rPr lang="en-US" sz="3200" b="1" dirty="0">
+            <a:pPr algn="just"/>
+            <a:r>
+              <a:rPr lang="en-US" sz="4000" b="1" dirty="0">
                 <a:latin typeface="Helvetica Neue" panose="02000503000000020004" pitchFamily="2" charset="0"/>
                 <a:ea typeface="Helvetica Neue" panose="02000503000000020004" pitchFamily="2" charset="0"/>
                 <a:cs typeface="Helvetica Neue" panose="02000503000000020004" pitchFamily="2" charset="0"/>
@@ -4633,7 +4284,7 @@
               <a:t>Python language support: </a:t>
             </a:r>
             <a:r>
-              <a:rPr lang="en-US" sz="3200" dirty="0">
+              <a:rPr lang="en-US" sz="4000" dirty="0">
                 <a:latin typeface="Helvetica Neue" panose="02000503000000020004" pitchFamily="2" charset="0"/>
                 <a:ea typeface="Helvetica Neue" panose="02000503000000020004" pitchFamily="2" charset="0"/>
                 <a:cs typeface="Helvetica Neue" panose="02000503000000020004" pitchFamily="2" charset="0"/>
@@ -4642,19 +4293,17 @@
             </a:r>
           </a:p>
           <a:p>
-            <a:endParaRPr lang="en-US" sz="3200" dirty="0">
+            <a:pPr algn="just"/>
+            <a:endParaRPr lang="en-US" sz="4000" dirty="0">
               <a:latin typeface="Helvetica Neue" panose="02000503000000020004" pitchFamily="2" charset="0"/>
               <a:ea typeface="Helvetica Neue" panose="02000503000000020004" pitchFamily="2" charset="0"/>
               <a:cs typeface="Helvetica Neue" panose="02000503000000020004" pitchFamily="2" charset="0"/>
             </a:endParaRPr>
           </a:p>
           <a:p>
-            <a:pPr marL="457200" indent="-457200">
-              <a:buFont typeface="Arial" panose="020B0604020202020204" pitchFamily="34" charset="0"/>
-              <a:buChar char="•"/>
-            </a:pPr>
-            <a:r>
-              <a:rPr lang="en-US" sz="3200" b="1" dirty="0">
+            <a:pPr algn="just"/>
+            <a:r>
+              <a:rPr lang="en-US" sz="4000" b="1" dirty="0">
                 <a:latin typeface="Helvetica Neue" panose="02000503000000020004" pitchFamily="2" charset="0"/>
                 <a:ea typeface="Helvetica Neue" panose="02000503000000020004" pitchFamily="2" charset="0"/>
                 <a:cs typeface="Helvetica Neue" panose="02000503000000020004" pitchFamily="2" charset="0"/>
@@ -4662,7 +4311,7 @@
               <a:t>NLC: </a:t>
             </a:r>
             <a:r>
-              <a:rPr lang="en-US" sz="3200" dirty="0">
+              <a:rPr lang="en-US" sz="4000" dirty="0">
                 <a:latin typeface="Helvetica Neue" panose="02000503000000020004" pitchFamily="2" charset="0"/>
                 <a:ea typeface="Helvetica Neue" panose="02000503000000020004" pitchFamily="2" charset="0"/>
                 <a:cs typeface="Helvetica Neue" panose="02000503000000020004" pitchFamily="2" charset="0"/>
@@ -4671,7 +4320,8 @@
             </a:r>
           </a:p>
           <a:p>
-            <a:endParaRPr lang="en-US" sz="3200" dirty="0">
+            <a:pPr algn="just"/>
+            <a:endParaRPr lang="en-US" sz="4000" dirty="0">
               <a:highlight>
                 <a:srgbClr val="FFFF00"/>
               </a:highlight>
@@ -4681,12 +4331,9 @@
             </a:endParaRPr>
           </a:p>
           <a:p>
-            <a:pPr marL="457200" indent="-457200">
-              <a:buFont typeface="Arial" panose="020B0604020202020204" pitchFamily="34" charset="0"/>
-              <a:buChar char="•"/>
-            </a:pPr>
-            <a:r>
-              <a:rPr lang="en-US" sz="3200" b="1" dirty="0">
+            <a:pPr algn="just"/>
+            <a:r>
+              <a:rPr lang="en-US" sz="4000" b="1" dirty="0">
                 <a:latin typeface="Helvetica Neue" panose="02000503000000020004" pitchFamily="2" charset="0"/>
                 <a:ea typeface="Helvetica Neue" panose="02000503000000020004" pitchFamily="2" charset="0"/>
                 <a:cs typeface="Helvetica Neue" panose="02000503000000020004" pitchFamily="2" charset="0"/>
@@ -4694,14 +4341,14 @@
               <a:t>Algorithm Support: </a:t>
             </a:r>
             <a:r>
-              <a:rPr lang="en-US" sz="3200" dirty="0">
+              <a:rPr lang="en-US" sz="4000" dirty="0">
                 <a:latin typeface="Helvetica Neue" panose="02000503000000020004" pitchFamily="2" charset="0"/>
                 <a:ea typeface="Helvetica Neue" panose="02000503000000020004" pitchFamily="2" charset="0"/>
                 <a:cs typeface="Helvetica Neue" panose="02000503000000020004" pitchFamily="2" charset="0"/>
               </a:rPr>
               <a:t>We currently support a number of basic algorithms, as well as some of the basic python documentation. These were chosen because they are simple but easily forgotten or confused things that will effectively demonstrate how LOOM can help your workflow. Other syntax features are already present in modern IDEs.</a:t>
             </a:r>
-            <a:endParaRPr lang="en-US" sz="3200" b="1" dirty="0">
+            <a:endParaRPr lang="en-US" sz="4000" b="1" dirty="0">
               <a:latin typeface="Helvetica Neue" panose="02000503000000020004" pitchFamily="2" charset="0"/>
               <a:ea typeface="Helvetica Neue" panose="02000503000000020004" pitchFamily="2" charset="0"/>
               <a:cs typeface="Helvetica Neue" panose="02000503000000020004" pitchFamily="2" charset="0"/>
@@ -4761,7 +4408,7 @@
         </p:blipFill>
         <p:spPr>
           <a:xfrm>
-            <a:off x="28937534" y="20203343"/>
+            <a:off x="28937534" y="21016422"/>
             <a:ext cx="14604625" cy="8938065"/>
           </a:xfrm>
           <a:prstGeom prst="rect">
@@ -4813,8 +4460,8 @@
         </p:nvSpPr>
         <p:spPr>
           <a:xfrm>
-            <a:off x="28937534" y="16722876"/>
-            <a:ext cx="14604625" cy="2954655"/>
+            <a:off x="28937534" y="16002367"/>
+            <a:ext cx="14604625" cy="4924425"/>
           </a:xfrm>
           <a:prstGeom prst="rect">
             <a:avLst/>
@@ -4828,106 +4475,12 @@
           <a:p>
             <a:pPr algn="just"/>
             <a:r>
-              <a:rPr lang="en-US" sz="3200" dirty="0">
+              <a:rPr lang="en-US" sz="4000" dirty="0">
                 <a:latin typeface="Helvetica Neue" charset="0"/>
                 <a:ea typeface="Helvetica Neue" charset="0"/>
                 <a:cs typeface="Helvetica Neue" charset="0"/>
               </a:rPr>
               <a:t>LOOM returns a three sets of data for each algorithm: description, pseudo code, and Python 3 sample code. These appear as tabbed panels on the right-hand side of the IDE. The description panel gives a text summary of the algorithm. The pseudo code panel shows a simplified algorithmic explanation. Finally, the sample code panel contains runnable Python 3 code that can be copied into the editor and ran; this code can be modified to fit the developer’s use case.</a:t>
-            </a:r>
-          </a:p>
-        </p:txBody>
-      </p:sp>
-      <p:sp>
-        <p:nvSpPr>
-          <p:cNvPr id="52" name="Rectangle 51">
-            <a:extLst>
-              <a:ext uri="{FF2B5EF4-FFF2-40B4-BE49-F238E27FC236}">
-                <a16:creationId xmlns:a16="http://schemas.microsoft.com/office/drawing/2014/main" id="{9B7A2284-FBED-3643-AC0D-AEFAFB0A13A8}"/>
-              </a:ext>
-            </a:extLst>
-          </p:cNvPr>
-          <p:cNvSpPr/>
-          <p:nvPr/>
-        </p:nvSpPr>
-        <p:spPr>
-          <a:xfrm>
-            <a:off x="28937534" y="15851013"/>
-            <a:ext cx="14604625" cy="492443"/>
-          </a:xfrm>
-          <a:prstGeom prst="rect">
-            <a:avLst/>
-          </a:prstGeom>
-        </p:spPr>
-        <p:txBody>
-          <a:bodyPr wrap="square" lIns="0" tIns="0" rIns="0" bIns="0">
-            <a:spAutoFit/>
-          </a:bodyPr>
-          <a:lstStyle/>
-          <a:p>
-            <a:pPr algn="just"/>
-            <a:r>
-              <a:rPr lang="en-US" sz="3200" b="1" dirty="0">
-                <a:latin typeface="Helvetica Neue" charset="0"/>
-                <a:ea typeface="Helvetica Neue" charset="0"/>
-                <a:cs typeface="Helvetica Neue" charset="0"/>
-              </a:rPr>
-              <a:t>Figure 1.</a:t>
-            </a:r>
-            <a:r>
-              <a:rPr lang="en-US" sz="3200" dirty="0">
-                <a:latin typeface="Helvetica Neue" charset="0"/>
-                <a:ea typeface="Helvetica Neue" charset="0"/>
-                <a:cs typeface="Helvetica Neue" charset="0"/>
-              </a:rPr>
-              <a:t> Quicksort Description.</a:t>
-            </a:r>
-          </a:p>
-        </p:txBody>
-      </p:sp>
-      <p:sp>
-        <p:nvSpPr>
-          <p:cNvPr id="53" name="Rectangle 52">
-            <a:extLst>
-              <a:ext uri="{FF2B5EF4-FFF2-40B4-BE49-F238E27FC236}">
-                <a16:creationId xmlns:a16="http://schemas.microsoft.com/office/drawing/2014/main" id="{9D588DAF-C778-B247-99E0-E059A37375B7}"/>
-              </a:ext>
-            </a:extLst>
-          </p:cNvPr>
-          <p:cNvSpPr/>
-          <p:nvPr/>
-        </p:nvSpPr>
-        <p:spPr>
-          <a:xfrm>
-            <a:off x="28937534" y="29442526"/>
-            <a:ext cx="14604625" cy="492443"/>
-          </a:xfrm>
-          <a:prstGeom prst="rect">
-            <a:avLst/>
-          </a:prstGeom>
-        </p:spPr>
-        <p:txBody>
-          <a:bodyPr wrap="square" lIns="0" tIns="0" rIns="0" bIns="0">
-            <a:spAutoFit/>
-          </a:bodyPr>
-          <a:lstStyle/>
-          <a:p>
-            <a:pPr algn="just"/>
-            <a:r>
-              <a:rPr lang="en-US" sz="3200" b="1" dirty="0">
-                <a:latin typeface="Helvetica Neue" charset="0"/>
-                <a:ea typeface="Helvetica Neue" charset="0"/>
-                <a:cs typeface="Helvetica Neue" charset="0"/>
-              </a:rPr>
-              <a:t>Figure 2.</a:t>
-            </a:r>
-            <a:r>
-              <a:rPr lang="en-US" sz="3200" dirty="0">
-                <a:latin typeface="Helvetica Neue" charset="0"/>
-                <a:ea typeface="Helvetica Neue" charset="0"/>
-                <a:cs typeface="Helvetica Neue" charset="0"/>
-              </a:rPr>
-              <a:t> Quicksort Code.</a:t>
             </a:r>
           </a:p>
         </p:txBody>

--- a/LOOM.pptx
+++ b/LOOM.pptx
@@ -208,7 +208,7 @@
           <a:p>
             <a:fld id="{34E29B8E-01FD-F149-8E4C-AD7340EC814F}" type="datetimeFigureOut">
               <a:rPr lang="en-US" smtClean="0"/>
-              <a:t>4/17/18</a:t>
+              <a:t>4/18/18</a:t>
             </a:fld>
             <a:endParaRPr lang="en-US"/>
           </a:p>
@@ -743,7 +743,7 @@
           <a:p>
             <a:fld id="{953DC447-F7D8-8648-AD82-BF48896FC0EA}" type="datetimeFigureOut">
               <a:rPr lang="en-US" smtClean="0"/>
-              <a:t>4/17/18</a:t>
+              <a:t>4/18/18</a:t>
             </a:fld>
             <a:endParaRPr lang="en-US"/>
           </a:p>
@@ -911,7 +911,7 @@
           <a:p>
             <a:fld id="{953DC447-F7D8-8648-AD82-BF48896FC0EA}" type="datetimeFigureOut">
               <a:rPr lang="en-US" smtClean="0"/>
-              <a:t>4/17/18</a:t>
+              <a:t>4/18/18</a:t>
             </a:fld>
             <a:endParaRPr lang="en-US"/>
           </a:p>
@@ -1089,7 +1089,7 @@
           <a:p>
             <a:fld id="{953DC447-F7D8-8648-AD82-BF48896FC0EA}" type="datetimeFigureOut">
               <a:rPr lang="en-US" smtClean="0"/>
-              <a:t>4/17/18</a:t>
+              <a:t>4/18/18</a:t>
             </a:fld>
             <a:endParaRPr lang="en-US"/>
           </a:p>
@@ -1257,7 +1257,7 @@
           <a:p>
             <a:fld id="{953DC447-F7D8-8648-AD82-BF48896FC0EA}" type="datetimeFigureOut">
               <a:rPr lang="en-US" smtClean="0"/>
-              <a:t>4/17/18</a:t>
+              <a:t>4/18/18</a:t>
             </a:fld>
             <a:endParaRPr lang="en-US"/>
           </a:p>
@@ -1502,7 +1502,7 @@
           <a:p>
             <a:fld id="{953DC447-F7D8-8648-AD82-BF48896FC0EA}" type="datetimeFigureOut">
               <a:rPr lang="en-US" smtClean="0"/>
-              <a:t>4/17/18</a:t>
+              <a:t>4/18/18</a:t>
             </a:fld>
             <a:endParaRPr lang="en-US"/>
           </a:p>
@@ -1787,7 +1787,7 @@
           <a:p>
             <a:fld id="{953DC447-F7D8-8648-AD82-BF48896FC0EA}" type="datetimeFigureOut">
               <a:rPr lang="en-US" smtClean="0"/>
-              <a:t>4/17/18</a:t>
+              <a:t>4/18/18</a:t>
             </a:fld>
             <a:endParaRPr lang="en-US"/>
           </a:p>
@@ -2211,7 +2211,7 @@
           <a:p>
             <a:fld id="{953DC447-F7D8-8648-AD82-BF48896FC0EA}" type="datetimeFigureOut">
               <a:rPr lang="en-US" smtClean="0"/>
-              <a:t>4/17/18</a:t>
+              <a:t>4/18/18</a:t>
             </a:fld>
             <a:endParaRPr lang="en-US"/>
           </a:p>
@@ -2328,7 +2328,7 @@
           <a:p>
             <a:fld id="{953DC447-F7D8-8648-AD82-BF48896FC0EA}" type="datetimeFigureOut">
               <a:rPr lang="en-US" smtClean="0"/>
-              <a:t>4/17/18</a:t>
+              <a:t>4/18/18</a:t>
             </a:fld>
             <a:endParaRPr lang="en-US"/>
           </a:p>
@@ -2423,7 +2423,7 @@
           <a:p>
             <a:fld id="{953DC447-F7D8-8648-AD82-BF48896FC0EA}" type="datetimeFigureOut">
               <a:rPr lang="en-US" smtClean="0"/>
-              <a:t>4/17/18</a:t>
+              <a:t>4/18/18</a:t>
             </a:fld>
             <a:endParaRPr lang="en-US"/>
           </a:p>
@@ -2698,7 +2698,7 @@
           <a:p>
             <a:fld id="{953DC447-F7D8-8648-AD82-BF48896FC0EA}" type="datetimeFigureOut">
               <a:rPr lang="en-US" smtClean="0"/>
-              <a:t>4/17/18</a:t>
+              <a:t>4/18/18</a:t>
             </a:fld>
             <a:endParaRPr lang="en-US"/>
           </a:p>
@@ -2950,7 +2950,7 @@
           <a:p>
             <a:fld id="{953DC447-F7D8-8648-AD82-BF48896FC0EA}" type="datetimeFigureOut">
               <a:rPr lang="en-US" smtClean="0"/>
-              <a:t>4/17/18</a:t>
+              <a:t>4/18/18</a:t>
             </a:fld>
             <a:endParaRPr lang="en-US"/>
           </a:p>
@@ -3161,7 +3161,7 @@
           <a:p>
             <a:fld id="{953DC447-F7D8-8648-AD82-BF48896FC0EA}" type="datetimeFigureOut">
               <a:rPr lang="en-US" smtClean="0"/>
-              <a:t>4/17/18</a:t>
+              <a:t>4/18/18</a:t>
             </a:fld>
             <a:endParaRPr lang="en-US"/>
           </a:p>
@@ -3628,7 +3628,7 @@
               </a:lnSpc>
             </a:pPr>
             <a:r>
-              <a:rPr lang="en-US" sz="4800" dirty="0">
+              <a:rPr lang="en-US" sz="4800" b="1" dirty="0">
                 <a:solidFill>
                   <a:schemeClr val="bg1"/>
                 </a:solidFill>
@@ -3638,7 +3638,7 @@
               <a:t>{bayless.1, darvin.2, deshpande.75, goldthwaite.10, pershon.1} @ </a:t>
             </a:r>
             <a:r>
-              <a:rPr lang="en-US" sz="4800" dirty="0" err="1">
+              <a:rPr lang="en-US" sz="4800" b="1" dirty="0" err="1">
                 <a:solidFill>
                   <a:schemeClr val="bg1"/>
                 </a:solidFill>
@@ -3647,7 +3647,7 @@
               </a:rPr>
               <a:t>osu.edu</a:t>
             </a:r>
-            <a:endParaRPr lang="en-US" sz="4800" dirty="0">
+            <a:endParaRPr lang="en-US" sz="4800" b="1" dirty="0">
               <a:solidFill>
                 <a:schemeClr val="bg1"/>
               </a:solidFill>
@@ -4234,7 +4234,7 @@
         <p:spPr>
           <a:xfrm>
             <a:off x="13916838" y="6749977"/>
-            <a:ext cx="13515162" cy="19174480"/>
+            <a:ext cx="13515162" cy="21636692"/>
           </a:xfrm>
           <a:prstGeom prst="rect">
             <a:avLst/>
@@ -4249,20 +4249,23 @@
           <a:p>
             <a:pPr algn="just"/>
             <a:r>
-              <a:rPr lang="en-US" sz="4000" b="1" dirty="0">
+              <a:rPr lang="en-US" sz="4800" b="1" dirty="0">
                 <a:latin typeface="Helvetica Neue" panose="02000503000000020004" pitchFamily="2" charset="0"/>
                 <a:ea typeface="Helvetica Neue" panose="02000503000000020004" pitchFamily="2" charset="0"/>
                 <a:cs typeface="Helvetica Neue" panose="02000503000000020004" pitchFamily="2" charset="0"/>
               </a:rPr>
-              <a:t>Visual Studio Code extension:</a:t>
-            </a:r>
+              <a:t>Visual Studio Code extension</a:t>
+            </a:r>
+          </a:p>
+          <a:p>
+            <a:pPr algn="just"/>
             <a:r>
               <a:rPr lang="en-US" sz="4000" dirty="0">
                 <a:latin typeface="Helvetica Neue" panose="02000503000000020004" pitchFamily="2" charset="0"/>
                 <a:ea typeface="Helvetica Neue" panose="02000503000000020004" pitchFamily="2" charset="0"/>
                 <a:cs typeface="Helvetica Neue" panose="02000503000000020004" pitchFamily="2" charset="0"/>
               </a:rPr>
-              <a:t> Early in the design process the LOOM team had to consider for what platform we would develop this tool.  Early options considered included: Eclipse IDE, VS Code, and a custom text editor we would build.  Ultimately, VS Code was selected for its apparent ease of development and flexibility.</a:t>
+              <a:t>Early in the design process the LOOM team had to consider for what platform we would develop this tool.  Early options considered included: Eclipse IDE, VS Code, and a custom text editor we would build.  Ultimately, VS Code was selected for its apparent ease of development and flexibility.</a:t>
             </a:r>
           </a:p>
           <a:p>
@@ -4276,13 +4279,16 @@
           <a:p>
             <a:pPr algn="just"/>
             <a:r>
-              <a:rPr lang="en-US" sz="4000" b="1" dirty="0">
+              <a:rPr lang="en-US" sz="4800" b="1" dirty="0">
                 <a:latin typeface="Helvetica Neue" panose="02000503000000020004" pitchFamily="2" charset="0"/>
                 <a:ea typeface="Helvetica Neue" panose="02000503000000020004" pitchFamily="2" charset="0"/>
                 <a:cs typeface="Helvetica Neue" panose="02000503000000020004" pitchFamily="2" charset="0"/>
               </a:rPr>
-              <a:t>Python language support: </a:t>
-            </a:r>
+              <a:t>Python language support</a:t>
+            </a:r>
+          </a:p>
+          <a:p>
+            <a:pPr algn="just"/>
             <a:r>
               <a:rPr lang="en-US" sz="4000" dirty="0">
                 <a:latin typeface="Helvetica Neue" panose="02000503000000020004" pitchFamily="2" charset="0"/>
@@ -4303,13 +4309,16 @@
           <a:p>
             <a:pPr algn="just"/>
             <a:r>
-              <a:rPr lang="en-US" sz="4000" b="1" dirty="0">
+              <a:rPr lang="en-US" sz="4800" b="1" dirty="0">
                 <a:latin typeface="Helvetica Neue" panose="02000503000000020004" pitchFamily="2" charset="0"/>
                 <a:ea typeface="Helvetica Neue" panose="02000503000000020004" pitchFamily="2" charset="0"/>
                 <a:cs typeface="Helvetica Neue" panose="02000503000000020004" pitchFamily="2" charset="0"/>
               </a:rPr>
-              <a:t>NLC: </a:t>
-            </a:r>
+              <a:t>NLC</a:t>
+            </a:r>
+          </a:p>
+          <a:p>
+            <a:pPr algn="just"/>
             <a:r>
               <a:rPr lang="en-US" sz="4000" dirty="0">
                 <a:latin typeface="Helvetica Neue" panose="02000503000000020004" pitchFamily="2" charset="0"/>
@@ -4333,13 +4342,16 @@
           <a:p>
             <a:pPr algn="just"/>
             <a:r>
-              <a:rPr lang="en-US" sz="4000" b="1" dirty="0">
+              <a:rPr lang="en-US" sz="4800" b="1" dirty="0">
                 <a:latin typeface="Helvetica Neue" panose="02000503000000020004" pitchFamily="2" charset="0"/>
                 <a:ea typeface="Helvetica Neue" panose="02000503000000020004" pitchFamily="2" charset="0"/>
                 <a:cs typeface="Helvetica Neue" panose="02000503000000020004" pitchFamily="2" charset="0"/>
               </a:rPr>
-              <a:t>Algorithm Support: </a:t>
-            </a:r>
+              <a:t>Algorithm Support</a:t>
+            </a:r>
+          </a:p>
+          <a:p>
+            <a:pPr algn="just"/>
             <a:r>
               <a:rPr lang="en-US" sz="4000" dirty="0">
                 <a:latin typeface="Helvetica Neue" panose="02000503000000020004" pitchFamily="2" charset="0"/>
